--- a/Project Presentation.pptx
+++ b/Project Presentation.pptx
@@ -7,6 +7,11 @@
   <p:sldIdLst>
     <p:sldId id="256" r:id="rId2"/>
     <p:sldId id="257" r:id="rId3"/>
+    <p:sldId id="258" r:id="rId4"/>
+    <p:sldId id="264" r:id="rId5"/>
+    <p:sldId id="262" r:id="rId6"/>
+    <p:sldId id="263" r:id="rId7"/>
+    <p:sldId id="261" r:id="rId8"/>
   </p:sldIdLst>
   <p:sldSz cx="12192000" cy="6858000"/>
   <p:notesSz cx="6858000" cy="9144000"/>
@@ -271,7 +276,7 @@
           <a:p>
             <a:fld id="{FEE21F12-B0EC-4AC0-B64F-1975F50E96F5}" type="datetimeFigureOut">
               <a:rPr lang="en-US" smtClean="0"/>
-              <a:t>5/10/2020</a:t>
+              <a:t>5/11/2020</a:t>
             </a:fld>
             <a:endParaRPr lang="en-US"/>
           </a:p>
@@ -469,7 +474,7 @@
           <a:p>
             <a:fld id="{FEE21F12-B0EC-4AC0-B64F-1975F50E96F5}" type="datetimeFigureOut">
               <a:rPr lang="en-US" smtClean="0"/>
-              <a:t>5/10/2020</a:t>
+              <a:t>5/11/2020</a:t>
             </a:fld>
             <a:endParaRPr lang="en-US"/>
           </a:p>
@@ -677,7 +682,7 @@
           <a:p>
             <a:fld id="{FEE21F12-B0EC-4AC0-B64F-1975F50E96F5}" type="datetimeFigureOut">
               <a:rPr lang="en-US" smtClean="0"/>
-              <a:t>5/10/2020</a:t>
+              <a:t>5/11/2020</a:t>
             </a:fld>
             <a:endParaRPr lang="en-US"/>
           </a:p>
@@ -875,7 +880,7 @@
           <a:p>
             <a:fld id="{FEE21F12-B0EC-4AC0-B64F-1975F50E96F5}" type="datetimeFigureOut">
               <a:rPr lang="en-US" smtClean="0"/>
-              <a:t>5/10/2020</a:t>
+              <a:t>5/11/2020</a:t>
             </a:fld>
             <a:endParaRPr lang="en-US"/>
           </a:p>
@@ -1150,7 +1155,7 @@
           <a:p>
             <a:fld id="{FEE21F12-B0EC-4AC0-B64F-1975F50E96F5}" type="datetimeFigureOut">
               <a:rPr lang="en-US" smtClean="0"/>
-              <a:t>5/10/2020</a:t>
+              <a:t>5/11/2020</a:t>
             </a:fld>
             <a:endParaRPr lang="en-US"/>
           </a:p>
@@ -1415,7 +1420,7 @@
           <a:p>
             <a:fld id="{FEE21F12-B0EC-4AC0-B64F-1975F50E96F5}" type="datetimeFigureOut">
               <a:rPr lang="en-US" smtClean="0"/>
-              <a:t>5/10/2020</a:t>
+              <a:t>5/11/2020</a:t>
             </a:fld>
             <a:endParaRPr lang="en-US"/>
           </a:p>
@@ -1827,7 +1832,7 @@
           <a:p>
             <a:fld id="{FEE21F12-B0EC-4AC0-B64F-1975F50E96F5}" type="datetimeFigureOut">
               <a:rPr lang="en-US" smtClean="0"/>
-              <a:t>5/10/2020</a:t>
+              <a:t>5/11/2020</a:t>
             </a:fld>
             <a:endParaRPr lang="en-US"/>
           </a:p>
@@ -1968,7 +1973,7 @@
           <a:p>
             <a:fld id="{FEE21F12-B0EC-4AC0-B64F-1975F50E96F5}" type="datetimeFigureOut">
               <a:rPr lang="en-US" smtClean="0"/>
-              <a:t>5/10/2020</a:t>
+              <a:t>5/11/2020</a:t>
             </a:fld>
             <a:endParaRPr lang="en-US"/>
           </a:p>
@@ -2081,7 +2086,7 @@
           <a:p>
             <a:fld id="{FEE21F12-B0EC-4AC0-B64F-1975F50E96F5}" type="datetimeFigureOut">
               <a:rPr lang="en-US" smtClean="0"/>
-              <a:t>5/10/2020</a:t>
+              <a:t>5/11/2020</a:t>
             </a:fld>
             <a:endParaRPr lang="en-US"/>
           </a:p>
@@ -2392,7 +2397,7 @@
           <a:p>
             <a:fld id="{FEE21F12-B0EC-4AC0-B64F-1975F50E96F5}" type="datetimeFigureOut">
               <a:rPr lang="en-US" smtClean="0"/>
-              <a:t>5/10/2020</a:t>
+              <a:t>5/11/2020</a:t>
             </a:fld>
             <a:endParaRPr lang="en-US"/>
           </a:p>
@@ -2680,7 +2685,7 @@
           <a:p>
             <a:fld id="{FEE21F12-B0EC-4AC0-B64F-1975F50E96F5}" type="datetimeFigureOut">
               <a:rPr lang="en-US" smtClean="0"/>
-              <a:t>5/10/2020</a:t>
+              <a:t>5/11/2020</a:t>
             </a:fld>
             <a:endParaRPr lang="en-US"/>
           </a:p>
@@ -2921,7 +2926,7 @@
           <a:p>
             <a:fld id="{FEE21F12-B0EC-4AC0-B64F-1975F50E96F5}" type="datetimeFigureOut">
               <a:rPr lang="en-US" smtClean="0"/>
-              <a:t>5/10/2020</a:t>
+              <a:t>5/11/2020</a:t>
             </a:fld>
             <a:endParaRPr lang="en-US"/>
           </a:p>
@@ -3490,10 +3495,19 @@
         </p:nvSpPr>
         <p:spPr/>
         <p:txBody>
-          <a:bodyPr/>
-          <a:lstStyle/>
-          <a:p>
-            <a:endParaRPr lang="en-US"/>
+          <a:bodyPr>
+            <a:normAutofit fontScale="90000"/>
+          </a:bodyPr>
+          <a:lstStyle/>
+          <a:p>
+            <a:r>
+              <a:rPr lang="bg-BG" dirty="0"/>
+              <a:t>Описание на предметната област и на заданието</a:t>
+            </a:r>
+            <a:br>
+              <a:rPr lang="en-US" dirty="0"/>
+            </a:br>
+            <a:endParaRPr lang="en-US" dirty="0"/>
           </a:p>
         </p:txBody>
       </p:sp>
@@ -3526,6 +3540,430 @@
     <p:extLst>
       <p:ext uri="{BB962C8B-B14F-4D97-AF65-F5344CB8AC3E}">
         <p14:creationId xmlns:p14="http://schemas.microsoft.com/office/powerpoint/2010/main" val="3984694697"/>
+      </p:ext>
+    </p:extLst>
+  </p:cSld>
+  <p:clrMapOvr>
+    <a:masterClrMapping/>
+  </p:clrMapOvr>
+</p:sld>
+</file>
+
+<file path=ppt/slides/slide3.xml><?xml version="1.0" encoding="utf-8"?>
+<p:sld xmlns:a="http://schemas.openxmlformats.org/drawingml/2006/main" xmlns:r="http://schemas.openxmlformats.org/officeDocument/2006/relationships" xmlns:p="http://schemas.openxmlformats.org/presentationml/2006/main">
+  <p:cSld>
+    <p:spTree>
+      <p:nvGrpSpPr>
+        <p:cNvPr id="1" name=""/>
+        <p:cNvGrpSpPr/>
+        <p:nvPr/>
+      </p:nvGrpSpPr>
+      <p:grpSpPr>
+        <a:xfrm>
+          <a:off x="0" y="0"/>
+          <a:ext cx="0" cy="0"/>
+          <a:chOff x="0" y="0"/>
+          <a:chExt cx="0" cy="0"/>
+        </a:xfrm>
+      </p:grpSpPr>
+      <p:sp>
+        <p:nvSpPr>
+          <p:cNvPr id="2" name="Title 1">
+            <a:extLst>
+              <a:ext uri="{FF2B5EF4-FFF2-40B4-BE49-F238E27FC236}">
+                <a16:creationId xmlns:a16="http://schemas.microsoft.com/office/drawing/2014/main" id="{CDA82924-A8B2-4265-8C23-A7410690207E}"/>
+              </a:ext>
+            </a:extLst>
+          </p:cNvPr>
+          <p:cNvSpPr>
+            <a:spLocks noGrp="1"/>
+          </p:cNvSpPr>
+          <p:nvPr>
+            <p:ph type="title"/>
+          </p:nvPr>
+        </p:nvSpPr>
+        <p:spPr>
+          <a:xfrm>
+            <a:off x="838200" y="2897659"/>
+            <a:ext cx="10515600" cy="1062681"/>
+          </a:xfrm>
+        </p:spPr>
+        <p:txBody>
+          <a:bodyPr>
+            <a:normAutofit fontScale="90000"/>
+          </a:bodyPr>
+          <a:lstStyle/>
+          <a:p>
+            <a:pPr algn="ctr"/>
+            <a:r>
+              <a:rPr lang="bg-BG" dirty="0">
+                <a:solidFill>
+                  <a:srgbClr val="FF6A00"/>
+                </a:solidFill>
+                <a:latin typeface="Montserrat Black" panose="00000A00000000000000" pitchFamily="2" charset="0"/>
+              </a:rPr>
+              <a:t>Дефиниране на схемата на релациите</a:t>
+            </a:r>
+            <a:endParaRPr lang="en-US" dirty="0">
+              <a:solidFill>
+                <a:srgbClr val="FF6A00"/>
+              </a:solidFill>
+              <a:latin typeface="Montserrat Black" panose="00000A00000000000000" pitchFamily="2" charset="0"/>
+            </a:endParaRPr>
+          </a:p>
+        </p:txBody>
+      </p:sp>
+    </p:spTree>
+    <p:extLst>
+      <p:ext uri="{BB962C8B-B14F-4D97-AF65-F5344CB8AC3E}">
+        <p14:creationId xmlns:p14="http://schemas.microsoft.com/office/powerpoint/2010/main" val="3699456926"/>
+      </p:ext>
+    </p:extLst>
+  </p:cSld>
+  <p:clrMapOvr>
+    <a:masterClrMapping/>
+  </p:clrMapOvr>
+</p:sld>
+</file>
+
+<file path=ppt/slides/slide4.xml><?xml version="1.0" encoding="utf-8"?>
+<p:sld xmlns:a="http://schemas.openxmlformats.org/drawingml/2006/main" xmlns:r="http://schemas.openxmlformats.org/officeDocument/2006/relationships" xmlns:p="http://schemas.openxmlformats.org/presentationml/2006/main">
+  <p:cSld>
+    <p:spTree>
+      <p:nvGrpSpPr>
+        <p:cNvPr id="1" name=""/>
+        <p:cNvGrpSpPr/>
+        <p:nvPr/>
+      </p:nvGrpSpPr>
+      <p:grpSpPr>
+        <a:xfrm>
+          <a:off x="0" y="0"/>
+          <a:ext cx="0" cy="0"/>
+          <a:chOff x="0" y="0"/>
+          <a:chExt cx="0" cy="0"/>
+        </a:xfrm>
+      </p:grpSpPr>
+      <p:sp>
+        <p:nvSpPr>
+          <p:cNvPr id="2" name="Title 1">
+            <a:extLst>
+              <a:ext uri="{FF2B5EF4-FFF2-40B4-BE49-F238E27FC236}">
+                <a16:creationId xmlns:a16="http://schemas.microsoft.com/office/drawing/2014/main" id="{85592637-706F-4D6D-84AC-42150186D83D}"/>
+              </a:ext>
+            </a:extLst>
+          </p:cNvPr>
+          <p:cNvSpPr>
+            <a:spLocks noGrp="1"/>
+          </p:cNvSpPr>
+          <p:nvPr>
+            <p:ph type="title"/>
+          </p:nvPr>
+        </p:nvSpPr>
+        <p:spPr/>
+        <p:txBody>
+          <a:bodyPr/>
+          <a:lstStyle/>
+          <a:p>
+            <a:endParaRPr lang="en-US"/>
+          </a:p>
+        </p:txBody>
+      </p:sp>
+      <p:sp>
+        <p:nvSpPr>
+          <p:cNvPr id="3" name="Content Placeholder 2">
+            <a:extLst>
+              <a:ext uri="{FF2B5EF4-FFF2-40B4-BE49-F238E27FC236}">
+                <a16:creationId xmlns:a16="http://schemas.microsoft.com/office/drawing/2014/main" id="{12D1E031-43B3-4D66-9833-1161BA27A169}"/>
+              </a:ext>
+            </a:extLst>
+          </p:cNvPr>
+          <p:cNvSpPr>
+            <a:spLocks noGrp="1"/>
+          </p:cNvSpPr>
+          <p:nvPr>
+            <p:ph idx="1"/>
+          </p:nvPr>
+        </p:nvSpPr>
+        <p:spPr/>
+        <p:txBody>
+          <a:bodyPr/>
+          <a:lstStyle/>
+          <a:p>
+            <a:r>
+              <a:rPr lang="bg-BG" dirty="0"/>
+              <a:t>&lt;сложи снимка на релациите&gt;</a:t>
+            </a:r>
+            <a:endParaRPr lang="en-US" dirty="0"/>
+          </a:p>
+        </p:txBody>
+      </p:sp>
+    </p:spTree>
+    <p:extLst>
+      <p:ext uri="{BB962C8B-B14F-4D97-AF65-F5344CB8AC3E}">
+        <p14:creationId xmlns:p14="http://schemas.microsoft.com/office/powerpoint/2010/main" val="2087233598"/>
+      </p:ext>
+    </p:extLst>
+  </p:cSld>
+  <p:clrMapOvr>
+    <a:masterClrMapping/>
+  </p:clrMapOvr>
+</p:sld>
+</file>
+
+<file path=ppt/slides/slide5.xml><?xml version="1.0" encoding="utf-8"?>
+<p:sld xmlns:a="http://schemas.openxmlformats.org/drawingml/2006/main" xmlns:r="http://schemas.openxmlformats.org/officeDocument/2006/relationships" xmlns:p="http://schemas.openxmlformats.org/presentationml/2006/main">
+  <p:cSld>
+    <p:spTree>
+      <p:nvGrpSpPr>
+        <p:cNvPr id="1" name=""/>
+        <p:cNvGrpSpPr/>
+        <p:nvPr/>
+      </p:nvGrpSpPr>
+      <p:grpSpPr>
+        <a:xfrm>
+          <a:off x="0" y="0"/>
+          <a:ext cx="0" cy="0"/>
+          <a:chOff x="0" y="0"/>
+          <a:chExt cx="0" cy="0"/>
+        </a:xfrm>
+      </p:grpSpPr>
+      <p:sp>
+        <p:nvSpPr>
+          <p:cNvPr id="2" name="Title 1">
+            <a:extLst>
+              <a:ext uri="{FF2B5EF4-FFF2-40B4-BE49-F238E27FC236}">
+                <a16:creationId xmlns:a16="http://schemas.microsoft.com/office/drawing/2014/main" id="{CCE8C5C9-A3E6-4EC7-A7E7-22640921B528}"/>
+              </a:ext>
+            </a:extLst>
+          </p:cNvPr>
+          <p:cNvSpPr>
+            <a:spLocks noGrp="1"/>
+          </p:cNvSpPr>
+          <p:nvPr>
+            <p:ph type="title"/>
+          </p:nvPr>
+        </p:nvSpPr>
+        <p:spPr/>
+        <p:txBody>
+          <a:bodyPr/>
+          <a:lstStyle/>
+          <a:p>
+            <a:r>
+              <a:rPr lang="bg-BG" dirty="0"/>
+              <a:t>Таблици</a:t>
+            </a:r>
+            <a:endParaRPr lang="en-US" dirty="0"/>
+          </a:p>
+        </p:txBody>
+      </p:sp>
+      <p:sp>
+        <p:nvSpPr>
+          <p:cNvPr id="3" name="Content Placeholder 2">
+            <a:extLst>
+              <a:ext uri="{FF2B5EF4-FFF2-40B4-BE49-F238E27FC236}">
+                <a16:creationId xmlns:a16="http://schemas.microsoft.com/office/drawing/2014/main" id="{6368C6D1-31ED-491B-ACC9-D529545662FE}"/>
+              </a:ext>
+            </a:extLst>
+          </p:cNvPr>
+          <p:cNvSpPr>
+            <a:spLocks noGrp="1"/>
+          </p:cNvSpPr>
+          <p:nvPr>
+            <p:ph idx="1"/>
+          </p:nvPr>
+        </p:nvSpPr>
+        <p:spPr/>
+        <p:txBody>
+          <a:bodyPr/>
+          <a:lstStyle/>
+          <a:p>
+            <a:r>
+              <a:rPr lang="bg-BG" dirty="0"/>
+              <a:t>&lt;изреди таблици&gt;</a:t>
+            </a:r>
+            <a:endParaRPr lang="en-US" dirty="0"/>
+          </a:p>
+        </p:txBody>
+      </p:sp>
+    </p:spTree>
+    <p:extLst>
+      <p:ext uri="{BB962C8B-B14F-4D97-AF65-F5344CB8AC3E}">
+        <p14:creationId xmlns:p14="http://schemas.microsoft.com/office/powerpoint/2010/main" val="349061151"/>
+      </p:ext>
+    </p:extLst>
+  </p:cSld>
+  <p:clrMapOvr>
+    <a:masterClrMapping/>
+  </p:clrMapOvr>
+</p:sld>
+</file>
+
+<file path=ppt/slides/slide6.xml><?xml version="1.0" encoding="utf-8"?>
+<p:sld xmlns:a="http://schemas.openxmlformats.org/drawingml/2006/main" xmlns:r="http://schemas.openxmlformats.org/officeDocument/2006/relationships" xmlns:p="http://schemas.openxmlformats.org/presentationml/2006/main">
+  <p:cSld>
+    <p:spTree>
+      <p:nvGrpSpPr>
+        <p:cNvPr id="1" name=""/>
+        <p:cNvGrpSpPr/>
+        <p:nvPr/>
+      </p:nvGrpSpPr>
+      <p:grpSpPr>
+        <a:xfrm>
+          <a:off x="0" y="0"/>
+          <a:ext cx="0" cy="0"/>
+          <a:chOff x="0" y="0"/>
+          <a:chExt cx="0" cy="0"/>
+        </a:xfrm>
+      </p:grpSpPr>
+      <p:sp>
+        <p:nvSpPr>
+          <p:cNvPr id="2" name="Title 1">
+            <a:extLst>
+              <a:ext uri="{FF2B5EF4-FFF2-40B4-BE49-F238E27FC236}">
+                <a16:creationId xmlns:a16="http://schemas.microsoft.com/office/drawing/2014/main" id="{A7848404-F624-43DB-8189-64D23BCF49BF}"/>
+              </a:ext>
+            </a:extLst>
+          </p:cNvPr>
+          <p:cNvSpPr>
+            <a:spLocks noGrp="1"/>
+          </p:cNvSpPr>
+          <p:nvPr>
+            <p:ph type="title"/>
+          </p:nvPr>
+        </p:nvSpPr>
+        <p:spPr/>
+        <p:txBody>
+          <a:bodyPr/>
+          <a:lstStyle/>
+          <a:p>
+            <a:r>
+              <a:rPr lang="bg-BG" dirty="0"/>
+              <a:t>Примерна функционалност</a:t>
+            </a:r>
+            <a:endParaRPr lang="en-US" dirty="0"/>
+          </a:p>
+        </p:txBody>
+      </p:sp>
+      <p:sp>
+        <p:nvSpPr>
+          <p:cNvPr id="3" name="Content Placeholder 2">
+            <a:extLst>
+              <a:ext uri="{FF2B5EF4-FFF2-40B4-BE49-F238E27FC236}">
+                <a16:creationId xmlns:a16="http://schemas.microsoft.com/office/drawing/2014/main" id="{444DEA0C-04E1-41B7-B4FD-4EDA154C060B}"/>
+              </a:ext>
+            </a:extLst>
+          </p:cNvPr>
+          <p:cNvSpPr>
+            <a:spLocks noGrp="1"/>
+          </p:cNvSpPr>
+          <p:nvPr>
+            <p:ph idx="1"/>
+          </p:nvPr>
+        </p:nvSpPr>
+        <p:spPr/>
+        <p:txBody>
+          <a:bodyPr/>
+          <a:lstStyle/>
+          <a:p>
+            <a:endParaRPr lang="en-US" dirty="0"/>
+          </a:p>
+        </p:txBody>
+      </p:sp>
+    </p:spTree>
+    <p:extLst>
+      <p:ext uri="{BB962C8B-B14F-4D97-AF65-F5344CB8AC3E}">
+        <p14:creationId xmlns:p14="http://schemas.microsoft.com/office/powerpoint/2010/main" val="562771343"/>
+      </p:ext>
+    </p:extLst>
+  </p:cSld>
+  <p:clrMapOvr>
+    <a:masterClrMapping/>
+  </p:clrMapOvr>
+</p:sld>
+</file>
+
+<file path=ppt/slides/slide7.xml><?xml version="1.0" encoding="utf-8"?>
+<p:sld xmlns:a="http://schemas.openxmlformats.org/drawingml/2006/main" xmlns:r="http://schemas.openxmlformats.org/officeDocument/2006/relationships" xmlns:p="http://schemas.openxmlformats.org/presentationml/2006/main">
+  <p:cSld>
+    <p:spTree>
+      <p:nvGrpSpPr>
+        <p:cNvPr id="1" name=""/>
+        <p:cNvGrpSpPr/>
+        <p:nvPr/>
+      </p:nvGrpSpPr>
+      <p:grpSpPr>
+        <a:xfrm>
+          <a:off x="0" y="0"/>
+          <a:ext cx="0" cy="0"/>
+          <a:chOff x="0" y="0"/>
+          <a:chExt cx="0" cy="0"/>
+        </a:xfrm>
+      </p:grpSpPr>
+      <p:sp>
+        <p:nvSpPr>
+          <p:cNvPr id="2" name="Title 1">
+            <a:extLst>
+              <a:ext uri="{FF2B5EF4-FFF2-40B4-BE49-F238E27FC236}">
+                <a16:creationId xmlns:a16="http://schemas.microsoft.com/office/drawing/2014/main" id="{1D1037D5-CFC0-4570-8043-9E0F1EC3C4F2}"/>
+              </a:ext>
+            </a:extLst>
+          </p:cNvPr>
+          <p:cNvSpPr>
+            <a:spLocks noGrp="1"/>
+          </p:cNvSpPr>
+          <p:nvPr>
+            <p:ph type="title"/>
+          </p:nvPr>
+        </p:nvSpPr>
+        <p:spPr/>
+        <p:txBody>
+          <a:bodyPr/>
+          <a:lstStyle/>
+          <a:p>
+            <a:r>
+              <a:rPr lang="en-US" dirty="0"/>
+              <a:t> </a:t>
+            </a:r>
+            <a:r>
+              <a:rPr lang="bg-BG" dirty="0"/>
+              <a:t>Тригери, Изгледи и Индекси</a:t>
+            </a:r>
+            <a:br>
+              <a:rPr lang="en-US" dirty="0"/>
+            </a:br>
+            <a:endParaRPr lang="en-US" dirty="0"/>
+          </a:p>
+        </p:txBody>
+      </p:sp>
+      <p:sp>
+        <p:nvSpPr>
+          <p:cNvPr id="3" name="Content Placeholder 2">
+            <a:extLst>
+              <a:ext uri="{FF2B5EF4-FFF2-40B4-BE49-F238E27FC236}">
+                <a16:creationId xmlns:a16="http://schemas.microsoft.com/office/drawing/2014/main" id="{D6CD189F-17DB-49A1-B3CB-4F93CDE25B62}"/>
+              </a:ext>
+            </a:extLst>
+          </p:cNvPr>
+          <p:cNvSpPr>
+            <a:spLocks noGrp="1"/>
+          </p:cNvSpPr>
+          <p:nvPr>
+            <p:ph idx="1"/>
+          </p:nvPr>
+        </p:nvSpPr>
+        <p:spPr/>
+        <p:txBody>
+          <a:bodyPr/>
+          <a:lstStyle/>
+          <a:p>
+            <a:endParaRPr lang="en-US"/>
+          </a:p>
+        </p:txBody>
+      </p:sp>
+    </p:spTree>
+    <p:extLst>
+      <p:ext uri="{BB962C8B-B14F-4D97-AF65-F5344CB8AC3E}">
+        <p14:creationId xmlns:p14="http://schemas.microsoft.com/office/powerpoint/2010/main" val="1242337074"/>
       </p:ext>
     </p:extLst>
   </p:cSld>

--- a/Project Presentation.pptx
+++ b/Project Presentation.pptx
@@ -10,8 +10,14 @@
     <p:sldId id="258" r:id="rId4"/>
     <p:sldId id="264" r:id="rId5"/>
     <p:sldId id="262" r:id="rId6"/>
-    <p:sldId id="263" r:id="rId7"/>
-    <p:sldId id="261" r:id="rId8"/>
+    <p:sldId id="265" r:id="rId7"/>
+    <p:sldId id="266" r:id="rId8"/>
+    <p:sldId id="267" r:id="rId9"/>
+    <p:sldId id="268" r:id="rId10"/>
+    <p:sldId id="269" r:id="rId11"/>
+    <p:sldId id="263" r:id="rId12"/>
+    <p:sldId id="261" r:id="rId13"/>
+    <p:sldId id="270" r:id="rId14"/>
   </p:sldIdLst>
   <p:sldSz cx="12192000" cy="6858000"/>
   <p:notesSz cx="6858000" cy="9144000"/>
@@ -3367,10 +3373,7 @@
             <a:r>
               <a:rPr lang="bg-BG" dirty="0">
                 <a:solidFill>
-                  <a:schemeClr val="tx1">
-                    <a:lumMod val="75000"/>
-                    <a:lumOff val="25000"/>
-                  </a:schemeClr>
+                  <a:srgbClr val="FF6A00"/>
                 </a:solidFill>
                 <a:latin typeface="Montserrat Black" panose="00000A00000000000000" pitchFamily="2" charset="0"/>
               </a:rPr>
@@ -3378,10 +3381,7 @@
             </a:r>
             <a:endParaRPr lang="en-US" dirty="0">
               <a:solidFill>
-                <a:schemeClr val="tx1">
-                  <a:lumMod val="75000"/>
-                  <a:lumOff val="25000"/>
-                </a:schemeClr>
+                <a:srgbClr val="FF6A00"/>
               </a:solidFill>
               <a:latin typeface="Montserrat Black" panose="00000A00000000000000" pitchFamily="2" charset="0"/>
             </a:endParaRPr>
@@ -3451,6 +3451,743 @@
     <p:extLst>
       <p:ext uri="{BB962C8B-B14F-4D97-AF65-F5344CB8AC3E}">
         <p14:creationId xmlns:p14="http://schemas.microsoft.com/office/powerpoint/2010/main" val="759412799"/>
+      </p:ext>
+    </p:extLst>
+  </p:cSld>
+  <p:clrMapOvr>
+    <a:masterClrMapping/>
+  </p:clrMapOvr>
+</p:sld>
+</file>
+
+<file path=ppt/slides/slide10.xml><?xml version="1.0" encoding="utf-8"?>
+<p:sld xmlns:a="http://schemas.openxmlformats.org/drawingml/2006/main" xmlns:r="http://schemas.openxmlformats.org/officeDocument/2006/relationships" xmlns:p="http://schemas.openxmlformats.org/presentationml/2006/main">
+  <p:cSld>
+    <p:spTree>
+      <p:nvGrpSpPr>
+        <p:cNvPr id="1" name=""/>
+        <p:cNvGrpSpPr/>
+        <p:nvPr/>
+      </p:nvGrpSpPr>
+      <p:grpSpPr>
+        <a:xfrm>
+          <a:off x="0" y="0"/>
+          <a:ext cx="0" cy="0"/>
+          <a:chOff x="0" y="0"/>
+          <a:chExt cx="0" cy="0"/>
+        </a:xfrm>
+      </p:grpSpPr>
+      <p:sp>
+        <p:nvSpPr>
+          <p:cNvPr id="2" name="Title 1">
+            <a:extLst>
+              <a:ext uri="{FF2B5EF4-FFF2-40B4-BE49-F238E27FC236}">
+                <a16:creationId xmlns:a16="http://schemas.microsoft.com/office/drawing/2014/main" id="{65845466-A7B3-4ED3-9D71-4256C771944C}"/>
+              </a:ext>
+            </a:extLst>
+          </p:cNvPr>
+          <p:cNvSpPr>
+            <a:spLocks noGrp="1"/>
+          </p:cNvSpPr>
+          <p:nvPr>
+            <p:ph type="title"/>
+          </p:nvPr>
+        </p:nvSpPr>
+        <p:spPr>
+          <a:xfrm>
+            <a:off x="838200" y="144162"/>
+            <a:ext cx="10515600" cy="1325563"/>
+          </a:xfrm>
+        </p:spPr>
+        <p:txBody>
+          <a:bodyPr/>
+          <a:lstStyle/>
+          <a:p>
+            <a:r>
+              <a:rPr lang="en-US" dirty="0">
+                <a:solidFill>
+                  <a:schemeClr val="tx1">
+                    <a:lumMod val="75000"/>
+                    <a:lumOff val="25000"/>
+                  </a:schemeClr>
+                </a:solidFill>
+                <a:latin typeface="Montserrat SemiBold" panose="00000700000000000000" pitchFamily="2" charset="0"/>
+              </a:rPr>
+              <a:t>Payments</a:t>
+            </a:r>
+            <a:endParaRPr lang="en-US" dirty="0">
+              <a:latin typeface="Montserrat SemiBold" panose="00000700000000000000" pitchFamily="2" charset="0"/>
+            </a:endParaRPr>
+          </a:p>
+        </p:txBody>
+      </p:sp>
+      <p:sp>
+        <p:nvSpPr>
+          <p:cNvPr id="3" name="Content Placeholder 2">
+            <a:extLst>
+              <a:ext uri="{FF2B5EF4-FFF2-40B4-BE49-F238E27FC236}">
+                <a16:creationId xmlns:a16="http://schemas.microsoft.com/office/drawing/2014/main" id="{9A78EC20-7344-457D-937C-E85DABEF09FD}"/>
+              </a:ext>
+            </a:extLst>
+          </p:cNvPr>
+          <p:cNvSpPr>
+            <a:spLocks noGrp="1"/>
+          </p:cNvSpPr>
+          <p:nvPr>
+            <p:ph idx="1"/>
+          </p:nvPr>
+        </p:nvSpPr>
+        <p:spPr>
+          <a:xfrm>
+            <a:off x="838200" y="1342768"/>
+            <a:ext cx="10515600" cy="5371070"/>
+          </a:xfrm>
+        </p:spPr>
+        <p:txBody>
+          <a:bodyPr>
+            <a:normAutofit fontScale="77500" lnSpcReduction="20000"/>
+          </a:bodyPr>
+          <a:lstStyle/>
+          <a:p>
+            <a:pPr marL="0" lvl="0" indent="0">
+              <a:buNone/>
+            </a:pPr>
+            <a:r>
+              <a:rPr lang="bg-BG" dirty="0">
+                <a:latin typeface="Montserrat" panose="00000500000000000000" pitchFamily="2" charset="0"/>
+              </a:rPr>
+              <a:t>Таблица</a:t>
+            </a:r>
+            <a:r>
+              <a:rPr lang="en-US" dirty="0">
+                <a:latin typeface="Montserrat" panose="00000500000000000000" pitchFamily="2" charset="0"/>
+              </a:rPr>
+              <a:t> Payments</a:t>
+            </a:r>
+            <a:r>
+              <a:rPr lang="bg-BG" dirty="0">
+                <a:latin typeface="Montserrat" panose="00000500000000000000" pitchFamily="2" charset="0"/>
+              </a:rPr>
+              <a:t> съдържа информация за направените плащания</a:t>
+            </a:r>
+            <a:endParaRPr lang="en-US" sz="2400" dirty="0">
+              <a:latin typeface="Montserrat" panose="00000500000000000000" pitchFamily="2" charset="0"/>
+            </a:endParaRPr>
+          </a:p>
+          <a:p>
+            <a:pPr marL="0" lvl="0" indent="0">
+              <a:buNone/>
+            </a:pPr>
+            <a:r>
+              <a:rPr lang="en-US" dirty="0">
+                <a:latin typeface="Montserrat" panose="00000500000000000000" pitchFamily="2" charset="0"/>
+              </a:rPr>
+              <a:t>ID </a:t>
+            </a:r>
+            <a:r>
+              <a:rPr lang="bg-BG" dirty="0">
+                <a:latin typeface="Montserrat" panose="00000500000000000000" pitchFamily="2" charset="0"/>
+              </a:rPr>
+              <a:t>– уникално </a:t>
+            </a:r>
+            <a:r>
+              <a:rPr lang="en-US" dirty="0">
+                <a:latin typeface="Montserrat" panose="00000500000000000000" pitchFamily="2" charset="0"/>
+              </a:rPr>
+              <a:t>ID </a:t>
+            </a:r>
+            <a:r>
+              <a:rPr lang="bg-BG" dirty="0">
+                <a:latin typeface="Montserrat" panose="00000500000000000000" pitchFamily="2" charset="0"/>
+              </a:rPr>
+              <a:t>на плащането (типът е </a:t>
+            </a:r>
+            <a:r>
+              <a:rPr lang="en-US" dirty="0" err="1">
+                <a:latin typeface="Montserrat" panose="00000500000000000000" pitchFamily="2" charset="0"/>
+              </a:rPr>
+              <a:t>uniqueidentifier</a:t>
+            </a:r>
+            <a:r>
+              <a:rPr lang="bg-BG" dirty="0">
+                <a:latin typeface="Montserrat" panose="00000500000000000000" pitchFamily="2" charset="0"/>
+              </a:rPr>
+              <a:t>), 	първичен ключ</a:t>
+            </a:r>
+            <a:endParaRPr lang="en-US" dirty="0">
+              <a:latin typeface="Montserrat" panose="00000500000000000000" pitchFamily="2" charset="0"/>
+            </a:endParaRPr>
+          </a:p>
+          <a:p>
+            <a:pPr marL="0" indent="0">
+              <a:buNone/>
+            </a:pPr>
+            <a:r>
+              <a:rPr lang="bg-BG" dirty="0">
+                <a:latin typeface="Montserrat" panose="00000500000000000000" pitchFamily="2" charset="0"/>
+              </a:rPr>
+              <a:t> </a:t>
+            </a:r>
+            <a:endParaRPr lang="en-US" dirty="0">
+              <a:latin typeface="Montserrat" panose="00000500000000000000" pitchFamily="2" charset="0"/>
+            </a:endParaRPr>
+          </a:p>
+          <a:p>
+            <a:pPr lvl="1"/>
+            <a:r>
+              <a:rPr lang="en-US" dirty="0" err="1">
+                <a:latin typeface="Montserrat" panose="00000500000000000000" pitchFamily="2" charset="0"/>
+              </a:rPr>
+              <a:t>GuestEGN</a:t>
+            </a:r>
+            <a:r>
+              <a:rPr lang="en-US" dirty="0">
+                <a:latin typeface="Montserrat" panose="00000500000000000000" pitchFamily="2" charset="0"/>
+              </a:rPr>
+              <a:t> </a:t>
+            </a:r>
+            <a:r>
+              <a:rPr lang="bg-BG" dirty="0">
+                <a:latin typeface="Montserrat" panose="00000500000000000000" pitchFamily="2" charset="0"/>
+              </a:rPr>
+              <a:t>- ЕГН на госта, направил плащането, външен ключ</a:t>
+            </a:r>
+            <a:r>
+              <a:rPr lang="en-US" dirty="0">
+                <a:latin typeface="Montserrat" panose="00000500000000000000" pitchFamily="2" charset="0"/>
+              </a:rPr>
+              <a:t> </a:t>
+            </a:r>
+            <a:r>
+              <a:rPr lang="bg-BG" dirty="0">
+                <a:latin typeface="Montserrat" panose="00000500000000000000" pitchFamily="2" charset="0"/>
+              </a:rPr>
+              <a:t>към</a:t>
+            </a:r>
+            <a:endParaRPr lang="en-US" dirty="0">
+              <a:latin typeface="Montserrat" panose="00000500000000000000" pitchFamily="2" charset="0"/>
+            </a:endParaRPr>
+          </a:p>
+          <a:p>
+            <a:pPr marL="457200" lvl="1" indent="0">
+              <a:buNone/>
+            </a:pPr>
+            <a:r>
+              <a:rPr lang="en-US" dirty="0">
+                <a:latin typeface="Montserrat" panose="00000500000000000000" pitchFamily="2" charset="0"/>
+              </a:rPr>
+              <a:t>   </a:t>
+            </a:r>
+            <a:r>
+              <a:rPr lang="bg-BG" dirty="0">
+                <a:latin typeface="Montserrat" panose="00000500000000000000" pitchFamily="2" charset="0"/>
+              </a:rPr>
+              <a:t> </a:t>
+            </a:r>
+            <a:r>
+              <a:rPr lang="en-US" dirty="0" err="1">
+                <a:latin typeface="Montserrat" panose="00000500000000000000" pitchFamily="2" charset="0"/>
+              </a:rPr>
+              <a:t>Guests.EGN</a:t>
+            </a:r>
+            <a:endParaRPr lang="en-US" dirty="0">
+              <a:latin typeface="Montserrat" panose="00000500000000000000" pitchFamily="2" charset="0"/>
+            </a:endParaRPr>
+          </a:p>
+          <a:p>
+            <a:pPr marL="457200" lvl="1" indent="0">
+              <a:buNone/>
+            </a:pPr>
+            <a:r>
+              <a:rPr lang="en-US" dirty="0">
+                <a:latin typeface="Montserrat" panose="00000500000000000000" pitchFamily="2" charset="0"/>
+              </a:rPr>
+              <a:t> </a:t>
+            </a:r>
+          </a:p>
+          <a:p>
+            <a:pPr lvl="1"/>
+            <a:r>
+              <a:rPr lang="en-US" dirty="0" err="1">
+                <a:latin typeface="Montserrat" panose="00000500000000000000" pitchFamily="2" charset="0"/>
+              </a:rPr>
+              <a:t>BaseFee</a:t>
+            </a:r>
+            <a:r>
+              <a:rPr lang="en-US" dirty="0">
+                <a:latin typeface="Montserrat" panose="00000500000000000000" pitchFamily="2" charset="0"/>
+              </a:rPr>
+              <a:t> </a:t>
+            </a:r>
+            <a:r>
+              <a:rPr lang="bg-BG" dirty="0">
+                <a:latin typeface="Montserrat" panose="00000500000000000000" pitchFamily="2" charset="0"/>
+              </a:rPr>
+              <a:t>– основна сума, която трябва да плати</a:t>
+            </a:r>
+            <a:endParaRPr lang="en-US" dirty="0">
+              <a:latin typeface="Montserrat" panose="00000500000000000000" pitchFamily="2" charset="0"/>
+            </a:endParaRPr>
+          </a:p>
+          <a:p>
+            <a:pPr marL="457200" lvl="1" indent="0">
+              <a:buNone/>
+            </a:pPr>
+            <a:r>
+              <a:rPr lang="bg-BG" dirty="0">
+                <a:latin typeface="Montserrat" panose="00000500000000000000" pitchFamily="2" charset="0"/>
+              </a:rPr>
+              <a:t> </a:t>
+            </a:r>
+            <a:endParaRPr lang="en-US" dirty="0">
+              <a:latin typeface="Montserrat" panose="00000500000000000000" pitchFamily="2" charset="0"/>
+            </a:endParaRPr>
+          </a:p>
+          <a:p>
+            <a:pPr lvl="1"/>
+            <a:r>
+              <a:rPr lang="en-US" dirty="0" err="1">
+                <a:latin typeface="Montserrat" panose="00000500000000000000" pitchFamily="2" charset="0"/>
+              </a:rPr>
+              <a:t>ExtraFee</a:t>
+            </a:r>
+            <a:r>
+              <a:rPr lang="en-US" dirty="0">
+                <a:latin typeface="Montserrat" panose="00000500000000000000" pitchFamily="2" charset="0"/>
+              </a:rPr>
+              <a:t> </a:t>
+            </a:r>
+            <a:r>
+              <a:rPr lang="bg-BG" dirty="0">
+                <a:latin typeface="Montserrat" panose="00000500000000000000" pitchFamily="2" charset="0"/>
+              </a:rPr>
+              <a:t>– допълнителна сума, </a:t>
+            </a:r>
+            <a:r>
+              <a:rPr lang="bg-BG" dirty="0" err="1">
+                <a:latin typeface="Montserrat" panose="00000500000000000000" pitchFamily="2" charset="0"/>
+              </a:rPr>
+              <a:t>коята</a:t>
+            </a:r>
+            <a:r>
+              <a:rPr lang="bg-BG" dirty="0">
+                <a:latin typeface="Montserrat" panose="00000500000000000000" pitchFamily="2" charset="0"/>
+              </a:rPr>
+              <a:t> трябва да плати</a:t>
+            </a:r>
+            <a:endParaRPr lang="en-US" dirty="0">
+              <a:latin typeface="Montserrat" panose="00000500000000000000" pitchFamily="2" charset="0"/>
+            </a:endParaRPr>
+          </a:p>
+          <a:p>
+            <a:pPr lvl="1"/>
+            <a:endParaRPr lang="en-US" dirty="0">
+              <a:latin typeface="Montserrat" panose="00000500000000000000" pitchFamily="2" charset="0"/>
+            </a:endParaRPr>
+          </a:p>
+          <a:p>
+            <a:pPr lvl="1"/>
+            <a:r>
+              <a:rPr lang="en-US" dirty="0">
+                <a:latin typeface="Montserrat" panose="00000500000000000000" pitchFamily="2" charset="0"/>
+              </a:rPr>
+              <a:t>Method </a:t>
+            </a:r>
+            <a:r>
+              <a:rPr lang="bg-BG" dirty="0">
+                <a:latin typeface="Montserrat" panose="00000500000000000000" pitchFamily="2" charset="0"/>
+              </a:rPr>
+              <a:t>– метод, по който се извършва плащането (трябва да</a:t>
+            </a:r>
+            <a:r>
+              <a:rPr lang="en-US" dirty="0">
+                <a:latin typeface="Montserrat" panose="00000500000000000000" pitchFamily="2" charset="0"/>
+              </a:rPr>
+              <a:t> </a:t>
+            </a:r>
+            <a:r>
+              <a:rPr lang="bg-BG" dirty="0">
+                <a:latin typeface="Montserrat" panose="00000500000000000000" pitchFamily="2" charset="0"/>
+              </a:rPr>
+              <a:t>е едно от следните):</a:t>
+            </a:r>
+            <a:endParaRPr lang="en-US" dirty="0">
+              <a:latin typeface="Montserrat" panose="00000500000000000000" pitchFamily="2" charset="0"/>
+            </a:endParaRPr>
+          </a:p>
+          <a:p>
+            <a:pPr lvl="2"/>
+            <a:r>
+              <a:rPr lang="en-US" dirty="0">
+                <a:latin typeface="Montserrat" panose="00000500000000000000" pitchFamily="2" charset="0"/>
+              </a:rPr>
+              <a:t>'PayPal', '</a:t>
+            </a:r>
+            <a:r>
+              <a:rPr lang="en-US" dirty="0" err="1">
+                <a:latin typeface="Montserrat" panose="00000500000000000000" pitchFamily="2" charset="0"/>
+              </a:rPr>
+              <a:t>VISA','MasterCard</a:t>
+            </a:r>
+            <a:r>
+              <a:rPr lang="en-US" dirty="0">
+                <a:latin typeface="Montserrat" panose="00000500000000000000" pitchFamily="2" charset="0"/>
+              </a:rPr>
+              <a:t>', 'Cash’</a:t>
+            </a:r>
+            <a:r>
+              <a:rPr lang="bg-BG" dirty="0">
+                <a:latin typeface="Montserrat" panose="00000500000000000000" pitchFamily="2" charset="0"/>
+              </a:rPr>
+              <a:t> </a:t>
+            </a:r>
+            <a:endParaRPr lang="en-US" dirty="0">
+              <a:latin typeface="Montserrat" panose="00000500000000000000" pitchFamily="2" charset="0"/>
+            </a:endParaRPr>
+          </a:p>
+          <a:p>
+            <a:pPr marL="914400" lvl="2" indent="0">
+              <a:buNone/>
+            </a:pPr>
+            <a:endParaRPr lang="en-US" dirty="0">
+              <a:latin typeface="Montserrat" panose="00000500000000000000" pitchFamily="2" charset="0"/>
+            </a:endParaRPr>
+          </a:p>
+          <a:p>
+            <a:pPr lvl="1"/>
+            <a:r>
+              <a:rPr lang="en-US" dirty="0" err="1">
+                <a:latin typeface="Montserrat" panose="00000500000000000000" pitchFamily="2" charset="0"/>
+              </a:rPr>
+              <a:t>PaymentStatus</a:t>
+            </a:r>
+            <a:r>
+              <a:rPr lang="en-US" dirty="0">
+                <a:latin typeface="Montserrat" panose="00000500000000000000" pitchFamily="2" charset="0"/>
+              </a:rPr>
+              <a:t> </a:t>
+            </a:r>
+            <a:r>
+              <a:rPr lang="bg-BG" dirty="0">
+                <a:latin typeface="Montserrat" panose="00000500000000000000" pitchFamily="2" charset="0"/>
+              </a:rPr>
+              <a:t>– статус на плащането </a:t>
+            </a:r>
+            <a:r>
+              <a:rPr lang="en-US" dirty="0">
+                <a:latin typeface="Montserrat" panose="00000500000000000000" pitchFamily="2" charset="0"/>
+              </a:rPr>
+              <a:t>(</a:t>
+            </a:r>
+            <a:r>
+              <a:rPr lang="bg-BG" dirty="0">
+                <a:latin typeface="Montserrat" panose="00000500000000000000" pitchFamily="2" charset="0"/>
+              </a:rPr>
+              <a:t>трябва да е едно от 	следните):</a:t>
+            </a:r>
+            <a:endParaRPr lang="en-US" dirty="0">
+              <a:latin typeface="Montserrat" panose="00000500000000000000" pitchFamily="2" charset="0"/>
+            </a:endParaRPr>
+          </a:p>
+          <a:p>
+            <a:pPr lvl="2"/>
+            <a:r>
+              <a:rPr lang="en-US" dirty="0">
+                <a:latin typeface="Montserrat" panose="00000500000000000000" pitchFamily="2" charset="0"/>
+              </a:rPr>
+              <a:t>'Processing', 'Paid', 'Failed'</a:t>
+            </a:r>
+          </a:p>
+          <a:p>
+            <a:pPr marL="457200" lvl="1" indent="0">
+              <a:buNone/>
+            </a:pPr>
+            <a:r>
+              <a:rPr lang="bg-BG" dirty="0">
+                <a:latin typeface="Montserrat" panose="00000500000000000000" pitchFamily="2" charset="0"/>
+              </a:rPr>
+              <a:t> </a:t>
+            </a:r>
+            <a:endParaRPr lang="en-US" dirty="0">
+              <a:latin typeface="Montserrat" panose="00000500000000000000" pitchFamily="2" charset="0"/>
+            </a:endParaRPr>
+          </a:p>
+          <a:p>
+            <a:pPr lvl="1"/>
+            <a:r>
+              <a:rPr lang="en-US" dirty="0" err="1">
+                <a:latin typeface="Montserrat" panose="00000500000000000000" pitchFamily="2" charset="0"/>
+              </a:rPr>
+              <a:t>TransactionDate</a:t>
+            </a:r>
+            <a:r>
+              <a:rPr lang="en-US" dirty="0">
+                <a:latin typeface="Montserrat" panose="00000500000000000000" pitchFamily="2" charset="0"/>
+              </a:rPr>
+              <a:t> </a:t>
+            </a:r>
+            <a:r>
+              <a:rPr lang="bg-BG" dirty="0">
+                <a:latin typeface="Montserrat" panose="00000500000000000000" pitchFamily="2" charset="0"/>
+              </a:rPr>
+              <a:t>– дата на плащане</a:t>
+            </a:r>
+            <a:endParaRPr lang="en-US" dirty="0">
+              <a:latin typeface="Montserrat" panose="00000500000000000000" pitchFamily="2" charset="0"/>
+            </a:endParaRPr>
+          </a:p>
+          <a:p>
+            <a:pPr marL="0" lvl="0" indent="0">
+              <a:buNone/>
+            </a:pPr>
+            <a:endParaRPr lang="en-US" dirty="0">
+              <a:latin typeface="Montserrat" panose="00000500000000000000" pitchFamily="2" charset="0"/>
+            </a:endParaRPr>
+          </a:p>
+        </p:txBody>
+      </p:sp>
+    </p:spTree>
+    <p:extLst>
+      <p:ext uri="{BB962C8B-B14F-4D97-AF65-F5344CB8AC3E}">
+        <p14:creationId xmlns:p14="http://schemas.microsoft.com/office/powerpoint/2010/main" val="4143704379"/>
+      </p:ext>
+    </p:extLst>
+  </p:cSld>
+  <p:clrMapOvr>
+    <a:masterClrMapping/>
+  </p:clrMapOvr>
+</p:sld>
+</file>
+
+<file path=ppt/slides/slide11.xml><?xml version="1.0" encoding="utf-8"?>
+<p:sld xmlns:a="http://schemas.openxmlformats.org/drawingml/2006/main" xmlns:r="http://schemas.openxmlformats.org/officeDocument/2006/relationships" xmlns:p="http://schemas.openxmlformats.org/presentationml/2006/main">
+  <p:cSld>
+    <p:spTree>
+      <p:nvGrpSpPr>
+        <p:cNvPr id="1" name=""/>
+        <p:cNvGrpSpPr/>
+        <p:nvPr/>
+      </p:nvGrpSpPr>
+      <p:grpSpPr>
+        <a:xfrm>
+          <a:off x="0" y="0"/>
+          <a:ext cx="0" cy="0"/>
+          <a:chOff x="0" y="0"/>
+          <a:chExt cx="0" cy="0"/>
+        </a:xfrm>
+      </p:grpSpPr>
+      <p:sp>
+        <p:nvSpPr>
+          <p:cNvPr id="2" name="Title 1">
+            <a:extLst>
+              <a:ext uri="{FF2B5EF4-FFF2-40B4-BE49-F238E27FC236}">
+                <a16:creationId xmlns:a16="http://schemas.microsoft.com/office/drawing/2014/main" id="{A7848404-F624-43DB-8189-64D23BCF49BF}"/>
+              </a:ext>
+            </a:extLst>
+          </p:cNvPr>
+          <p:cNvSpPr>
+            <a:spLocks noGrp="1"/>
+          </p:cNvSpPr>
+          <p:nvPr>
+            <p:ph type="title"/>
+          </p:nvPr>
+        </p:nvSpPr>
+        <p:spPr>
+          <a:xfrm>
+            <a:off x="838200" y="2766218"/>
+            <a:ext cx="10515600" cy="1325563"/>
+          </a:xfrm>
+        </p:spPr>
+        <p:txBody>
+          <a:bodyPr>
+            <a:normAutofit/>
+          </a:bodyPr>
+          <a:lstStyle/>
+          <a:p>
+            <a:pPr algn="ctr"/>
+            <a:r>
+              <a:rPr lang="bg-BG" sz="4200" dirty="0">
+                <a:solidFill>
+                  <a:srgbClr val="FF6A00"/>
+                </a:solidFill>
+                <a:latin typeface="Montserrat Black" panose="00000A00000000000000" pitchFamily="2" charset="0"/>
+              </a:rPr>
+              <a:t>Примерна функционалност</a:t>
+            </a:r>
+            <a:endParaRPr lang="en-US" sz="4200" dirty="0">
+              <a:solidFill>
+                <a:srgbClr val="FF6A00"/>
+              </a:solidFill>
+              <a:latin typeface="Montserrat Black" panose="00000A00000000000000" pitchFamily="2" charset="0"/>
+            </a:endParaRPr>
+          </a:p>
+        </p:txBody>
+      </p:sp>
+    </p:spTree>
+    <p:extLst>
+      <p:ext uri="{BB962C8B-B14F-4D97-AF65-F5344CB8AC3E}">
+        <p14:creationId xmlns:p14="http://schemas.microsoft.com/office/powerpoint/2010/main" val="562771343"/>
+      </p:ext>
+    </p:extLst>
+  </p:cSld>
+  <p:clrMapOvr>
+    <a:masterClrMapping/>
+  </p:clrMapOvr>
+</p:sld>
+</file>
+
+<file path=ppt/slides/slide12.xml><?xml version="1.0" encoding="utf-8"?>
+<p:sld xmlns:a="http://schemas.openxmlformats.org/drawingml/2006/main" xmlns:r="http://schemas.openxmlformats.org/officeDocument/2006/relationships" xmlns:p="http://schemas.openxmlformats.org/presentationml/2006/main">
+  <p:cSld>
+    <p:spTree>
+      <p:nvGrpSpPr>
+        <p:cNvPr id="1" name=""/>
+        <p:cNvGrpSpPr/>
+        <p:nvPr/>
+      </p:nvGrpSpPr>
+      <p:grpSpPr>
+        <a:xfrm>
+          <a:off x="0" y="0"/>
+          <a:ext cx="0" cy="0"/>
+          <a:chOff x="0" y="0"/>
+          <a:chExt cx="0" cy="0"/>
+        </a:xfrm>
+      </p:grpSpPr>
+      <p:sp>
+        <p:nvSpPr>
+          <p:cNvPr id="2" name="Title 1">
+            <a:extLst>
+              <a:ext uri="{FF2B5EF4-FFF2-40B4-BE49-F238E27FC236}">
+                <a16:creationId xmlns:a16="http://schemas.microsoft.com/office/drawing/2014/main" id="{1D1037D5-CFC0-4570-8043-9E0F1EC3C4F2}"/>
+              </a:ext>
+            </a:extLst>
+          </p:cNvPr>
+          <p:cNvSpPr>
+            <a:spLocks noGrp="1"/>
+          </p:cNvSpPr>
+          <p:nvPr>
+            <p:ph type="title"/>
+          </p:nvPr>
+        </p:nvSpPr>
+        <p:spPr>
+          <a:xfrm>
+            <a:off x="838200" y="2766218"/>
+            <a:ext cx="10515600" cy="1325563"/>
+          </a:xfrm>
+        </p:spPr>
+        <p:txBody>
+          <a:bodyPr/>
+          <a:lstStyle/>
+          <a:p>
+            <a:pPr algn="ctr"/>
+            <a:r>
+              <a:rPr lang="en-US" dirty="0">
+                <a:solidFill>
+                  <a:srgbClr val="FF6A00"/>
+                </a:solidFill>
+                <a:latin typeface="Montserrat Black" panose="00000A00000000000000" pitchFamily="2" charset="0"/>
+              </a:rPr>
+              <a:t> </a:t>
+            </a:r>
+            <a:r>
+              <a:rPr lang="bg-BG" dirty="0">
+                <a:solidFill>
+                  <a:srgbClr val="FF6A00"/>
+                </a:solidFill>
+                <a:latin typeface="Montserrat Black" panose="00000A00000000000000" pitchFamily="2" charset="0"/>
+              </a:rPr>
+              <a:t>Тригери, Изгледи и Индекси</a:t>
+            </a:r>
+            <a:endParaRPr lang="en-US" dirty="0">
+              <a:solidFill>
+                <a:srgbClr val="FF6A00"/>
+              </a:solidFill>
+              <a:latin typeface="Montserrat Black" panose="00000A00000000000000" pitchFamily="2" charset="0"/>
+            </a:endParaRPr>
+          </a:p>
+        </p:txBody>
+      </p:sp>
+    </p:spTree>
+    <p:extLst>
+      <p:ext uri="{BB962C8B-B14F-4D97-AF65-F5344CB8AC3E}">
+        <p14:creationId xmlns:p14="http://schemas.microsoft.com/office/powerpoint/2010/main" val="1242337074"/>
+      </p:ext>
+    </p:extLst>
+  </p:cSld>
+  <p:clrMapOvr>
+    <a:masterClrMapping/>
+  </p:clrMapOvr>
+</p:sld>
+</file>
+
+<file path=ppt/slides/slide13.xml><?xml version="1.0" encoding="utf-8"?>
+<p:sld xmlns:a="http://schemas.openxmlformats.org/drawingml/2006/main" xmlns:r="http://schemas.openxmlformats.org/officeDocument/2006/relationships" xmlns:p="http://schemas.openxmlformats.org/presentationml/2006/main">
+  <p:cSld>
+    <p:spTree>
+      <p:nvGrpSpPr>
+        <p:cNvPr id="1" name=""/>
+        <p:cNvGrpSpPr/>
+        <p:nvPr/>
+      </p:nvGrpSpPr>
+      <p:grpSpPr>
+        <a:xfrm>
+          <a:off x="0" y="0"/>
+          <a:ext cx="0" cy="0"/>
+          <a:chOff x="0" y="0"/>
+          <a:chExt cx="0" cy="0"/>
+        </a:xfrm>
+      </p:grpSpPr>
+      <p:sp>
+        <p:nvSpPr>
+          <p:cNvPr id="4" name="Title 1">
+            <a:extLst>
+              <a:ext uri="{FF2B5EF4-FFF2-40B4-BE49-F238E27FC236}">
+                <a16:creationId xmlns:a16="http://schemas.microsoft.com/office/drawing/2014/main" id="{F4B34FCB-5F3C-4626-AB68-EE7995010C68}"/>
+              </a:ext>
+            </a:extLst>
+          </p:cNvPr>
+          <p:cNvSpPr>
+            <a:spLocks noGrp="1"/>
+          </p:cNvSpPr>
+          <p:nvPr>
+            <p:ph type="title"/>
+          </p:nvPr>
+        </p:nvSpPr>
+        <p:spPr>
+          <a:xfrm>
+            <a:off x="838200" y="2766218"/>
+            <a:ext cx="10515600" cy="1325563"/>
+          </a:xfrm>
+        </p:spPr>
+        <p:txBody>
+          <a:bodyPr>
+            <a:noAutofit/>
+          </a:bodyPr>
+          <a:lstStyle/>
+          <a:p>
+            <a:pPr algn="ctr"/>
+            <a:r>
+              <a:rPr lang="bg-BG" sz="6000" dirty="0">
+                <a:solidFill>
+                  <a:srgbClr val="FF6A00"/>
+                </a:solidFill>
+                <a:latin typeface="Montserrat Black" panose="00000A00000000000000" pitchFamily="2" charset="0"/>
+              </a:rPr>
+              <a:t>Благодарим за вниманието!</a:t>
+            </a:r>
+            <a:endParaRPr lang="en-US" sz="6000" dirty="0">
+              <a:solidFill>
+                <a:srgbClr val="FF6A00"/>
+              </a:solidFill>
+              <a:latin typeface="Montserrat Black" panose="00000A00000000000000" pitchFamily="2" charset="0"/>
+            </a:endParaRPr>
+          </a:p>
+        </p:txBody>
+      </p:sp>
+    </p:spTree>
+    <p:extLst>
+      <p:ext uri="{BB962C8B-B14F-4D97-AF65-F5344CB8AC3E}">
+        <p14:creationId xmlns:p14="http://schemas.microsoft.com/office/powerpoint/2010/main" val="2157660982"/>
       </p:ext>
     </p:extLst>
   </p:cSld>
@@ -3501,7 +4238,15 @@
           <a:lstStyle/>
           <a:p>
             <a:r>
-              <a:rPr lang="bg-BG" dirty="0"/>
+              <a:rPr lang="bg-BG" dirty="0">
+                <a:solidFill>
+                  <a:schemeClr val="tx1">
+                    <a:lumMod val="75000"/>
+                    <a:lumOff val="25000"/>
+                  </a:schemeClr>
+                </a:solidFill>
+                <a:latin typeface="Montserrat SemiBold" panose="00000700000000000000" pitchFamily="2" charset="0"/>
+              </a:rPr>
               <a:t>Описание на предметната област и на заданието</a:t>
             </a:r>
             <a:br>
@@ -3527,12 +4272,139 @@
             <p:ph idx="1"/>
           </p:nvPr>
         </p:nvSpPr>
-        <p:spPr/>
-        <p:txBody>
-          <a:bodyPr/>
-          <a:lstStyle/>
-          <a:p>
-            <a:endParaRPr lang="en-US"/>
+        <p:spPr>
+          <a:xfrm>
+            <a:off x="838200" y="1622854"/>
+            <a:ext cx="10515600" cy="4794422"/>
+          </a:xfrm>
+        </p:spPr>
+        <p:txBody>
+          <a:bodyPr>
+            <a:normAutofit/>
+          </a:bodyPr>
+          <a:lstStyle/>
+          <a:p>
+            <a:r>
+              <a:rPr lang="bg-BG" sz="2400" dirty="0">
+                <a:solidFill>
+                  <a:srgbClr val="FF6A00"/>
+                </a:solidFill>
+                <a:latin typeface="Montserrat SemiBold" panose="00000700000000000000" pitchFamily="2" charset="0"/>
+              </a:rPr>
+              <a:t>База данни за хотел</a:t>
+            </a:r>
+          </a:p>
+          <a:p>
+            <a:pPr marL="0" indent="0">
+              <a:buNone/>
+            </a:pPr>
+            <a:endParaRPr lang="bg-BG" sz="2400" dirty="0">
+              <a:solidFill>
+                <a:srgbClr val="FF6A00"/>
+              </a:solidFill>
+              <a:latin typeface="Montserrat SemiBold" panose="00000700000000000000" pitchFamily="2" charset="0"/>
+            </a:endParaRPr>
+          </a:p>
+          <a:p>
+            <a:r>
+              <a:rPr lang="bg-BG" sz="2400" dirty="0">
+                <a:solidFill>
+                  <a:srgbClr val="FF6A00"/>
+                </a:solidFill>
+                <a:latin typeface="Montserrat SemiBold" panose="00000700000000000000" pitchFamily="2" charset="0"/>
+              </a:rPr>
+              <a:t>Може да се използва в малки и средни:</a:t>
+            </a:r>
+          </a:p>
+          <a:p>
+            <a:pPr lvl="1"/>
+            <a:r>
+              <a:rPr lang="bg-BG" sz="2000" dirty="0">
+                <a:latin typeface="Montserrat" panose="00000500000000000000" pitchFamily="2" charset="0"/>
+              </a:rPr>
+              <a:t>Хотели</a:t>
+            </a:r>
+          </a:p>
+          <a:p>
+            <a:pPr lvl="1"/>
+            <a:r>
+              <a:rPr lang="bg-BG" sz="2000" dirty="0">
+                <a:latin typeface="Montserrat" panose="00000500000000000000" pitchFamily="2" charset="0"/>
+              </a:rPr>
+              <a:t>Хижи</a:t>
+            </a:r>
+          </a:p>
+          <a:p>
+            <a:pPr lvl="1"/>
+            <a:r>
+              <a:rPr lang="bg-BG" sz="2000" dirty="0">
+                <a:latin typeface="Montserrat" panose="00000500000000000000" pitchFamily="2" charset="0"/>
+              </a:rPr>
+              <a:t>Къщи за гости</a:t>
+            </a:r>
+          </a:p>
+          <a:p>
+            <a:pPr marL="457200" lvl="1" indent="0">
+              <a:buNone/>
+            </a:pPr>
+            <a:endParaRPr lang="bg-BG" sz="2000" dirty="0">
+              <a:latin typeface="Montserrat" panose="00000500000000000000" pitchFamily="2" charset="0"/>
+            </a:endParaRPr>
+          </a:p>
+          <a:p>
+            <a:r>
+              <a:rPr lang="bg-BG" sz="2400" dirty="0">
+                <a:solidFill>
+                  <a:srgbClr val="FF6A00"/>
+                </a:solidFill>
+                <a:latin typeface="Montserrat SemiBold" panose="00000700000000000000" pitchFamily="2" charset="0"/>
+              </a:rPr>
+              <a:t>С помощта на нашата база данни собствениците могат да:</a:t>
+            </a:r>
+          </a:p>
+          <a:p>
+            <a:pPr lvl="1"/>
+            <a:r>
+              <a:rPr lang="bg-BG" sz="2000" dirty="0">
+                <a:latin typeface="Montserrat" panose="00000500000000000000" pitchFamily="2" charset="0"/>
+              </a:rPr>
+              <a:t>Пазят данни за текущи и предишни гости</a:t>
+            </a:r>
+          </a:p>
+          <a:p>
+            <a:pPr lvl="1"/>
+            <a:r>
+              <a:rPr lang="bg-BG" sz="2000" dirty="0">
+                <a:latin typeface="Montserrat" panose="00000500000000000000" pitchFamily="2" charset="0"/>
+              </a:rPr>
+              <a:t>Минали и настоящи резервации</a:t>
+            </a:r>
+          </a:p>
+          <a:p>
+            <a:pPr lvl="1"/>
+            <a:r>
+              <a:rPr lang="bg-BG" sz="2000" dirty="0">
+                <a:latin typeface="Montserrat" panose="00000500000000000000" pitchFamily="2" charset="0"/>
+              </a:rPr>
+              <a:t>Настоящи и бивши служители</a:t>
+            </a:r>
+          </a:p>
+          <a:p>
+            <a:pPr lvl="1"/>
+            <a:r>
+              <a:rPr lang="bg-BG" sz="2000" dirty="0">
+                <a:latin typeface="Montserrat" panose="00000500000000000000" pitchFamily="2" charset="0"/>
+              </a:rPr>
+              <a:t>Информация за стаите които предлагат</a:t>
+            </a:r>
+          </a:p>
+          <a:p>
+            <a:pPr marL="457200" lvl="1" indent="0">
+              <a:buNone/>
+            </a:pPr>
+            <a:endParaRPr lang="en-US" dirty="0">
+              <a:latin typeface="Montserrat" panose="00000500000000000000" pitchFamily="2" charset="0"/>
+            </a:endParaRPr>
           </a:p>
         </p:txBody>
       </p:sp>
@@ -3590,13 +4462,13 @@
         </p:spPr>
         <p:txBody>
           <a:bodyPr>
-            <a:normAutofit fontScale="90000"/>
+            <a:noAutofit/>
           </a:bodyPr>
           <a:lstStyle/>
           <a:p>
             <a:pPr algn="ctr"/>
             <a:r>
-              <a:rPr lang="bg-BG" dirty="0">
+              <a:rPr lang="bg-BG" sz="4200" dirty="0">
                 <a:solidFill>
                   <a:srgbClr val="FF6A00"/>
                 </a:solidFill>
@@ -3604,7 +4476,7 @@
               </a:rPr>
               <a:t>Дефиниране на схемата на релациите</a:t>
             </a:r>
-            <a:endParaRPr lang="en-US" dirty="0">
+            <a:endParaRPr lang="en-US" sz="4200" dirty="0">
               <a:solidFill>
                 <a:srgbClr val="FF6A00"/>
               </a:solidFill>
@@ -3697,6 +4569,42 @@
           </a:p>
         </p:txBody>
       </p:sp>
+      <p:pic>
+        <p:nvPicPr>
+          <p:cNvPr id="5" name="Picture 4" descr="A screenshot of a social media post&#10;&#10;Description automatically generated">
+            <a:extLst>
+              <a:ext uri="{FF2B5EF4-FFF2-40B4-BE49-F238E27FC236}">
+                <a16:creationId xmlns:a16="http://schemas.microsoft.com/office/drawing/2014/main" id="{11E6EEEB-7CF1-48CF-8CE5-076B82AE398B}"/>
+              </a:ext>
+            </a:extLst>
+          </p:cNvPr>
+          <p:cNvPicPr>
+            <a:picLocks noChangeAspect="1"/>
+          </p:cNvPicPr>
+          <p:nvPr/>
+        </p:nvPicPr>
+        <p:blipFill>
+          <a:blip r:embed="rId2">
+            <a:extLst>
+              <a:ext uri="{28A0092B-C50C-407E-A947-70E740481C1C}">
+                <a14:useLocalDpi xmlns:a14="http://schemas.microsoft.com/office/drawing/2010/main" val="0"/>
+              </a:ext>
+            </a:extLst>
+          </a:blip>
+          <a:stretch>
+            <a:fillRect/>
+          </a:stretch>
+        </p:blipFill>
+        <p:spPr>
+          <a:xfrm>
+            <a:off x="366408" y="429260"/>
+            <a:ext cx="11459183" cy="5999479"/>
+          </a:xfrm>
+          <a:prstGeom prst="rect">
+            <a:avLst/>
+          </a:prstGeom>
+        </p:spPr>
+      </p:pic>
     </p:spTree>
     <p:extLst>
       <p:ext uri="{BB962C8B-B14F-4D97-AF65-F5344CB8AC3E}">
@@ -3729,10 +4637,10 @@
       </p:grpSpPr>
       <p:sp>
         <p:nvSpPr>
-          <p:cNvPr id="2" name="Title 1">
-            <a:extLst>
-              <a:ext uri="{FF2B5EF4-FFF2-40B4-BE49-F238E27FC236}">
-                <a16:creationId xmlns:a16="http://schemas.microsoft.com/office/drawing/2014/main" id="{CCE8C5C9-A3E6-4EC7-A7E7-22640921B528}"/>
+          <p:cNvPr id="5" name="Title 4">
+            <a:extLst>
+              <a:ext uri="{FF2B5EF4-FFF2-40B4-BE49-F238E27FC236}">
+                <a16:creationId xmlns:a16="http://schemas.microsoft.com/office/drawing/2014/main" id="{87E6E809-C92D-4A94-87A7-8816F03825D9}"/>
               </a:ext>
             </a:extLst>
           </p:cNvPr>
@@ -3749,19 +4657,29 @@
           <a:lstStyle/>
           <a:p>
             <a:r>
-              <a:rPr lang="bg-BG" dirty="0"/>
-              <a:t>Таблици</a:t>
-            </a:r>
-            <a:endParaRPr lang="en-US" dirty="0"/>
-          </a:p>
-        </p:txBody>
-      </p:sp>
-      <p:sp>
-        <p:nvSpPr>
-          <p:cNvPr id="3" name="Content Placeholder 2">
-            <a:extLst>
-              <a:ext uri="{FF2B5EF4-FFF2-40B4-BE49-F238E27FC236}">
-                <a16:creationId xmlns:a16="http://schemas.microsoft.com/office/drawing/2014/main" id="{6368C6D1-31ED-491B-ACC9-D529545662FE}"/>
+              <a:rPr lang="en-US" dirty="0">
+                <a:solidFill>
+                  <a:schemeClr val="tx1">
+                    <a:lumMod val="75000"/>
+                    <a:lumOff val="25000"/>
+                  </a:schemeClr>
+                </a:solidFill>
+                <a:latin typeface="Montserrat SemiBold" panose="00000700000000000000" pitchFamily="2" charset="0"/>
+              </a:rPr>
+              <a:t>Room types</a:t>
+            </a:r>
+            <a:endParaRPr lang="en-US" dirty="0">
+              <a:latin typeface="Montserrat SemiBold" panose="00000700000000000000" pitchFamily="2" charset="0"/>
+            </a:endParaRPr>
+          </a:p>
+        </p:txBody>
+      </p:sp>
+      <p:sp>
+        <p:nvSpPr>
+          <p:cNvPr id="9" name="Content Placeholder 2">
+            <a:extLst>
+              <a:ext uri="{FF2B5EF4-FFF2-40B4-BE49-F238E27FC236}">
+                <a16:creationId xmlns:a16="http://schemas.microsoft.com/office/drawing/2014/main" id="{9640EE0F-1E9E-4433-8903-787DA77BF59B}"/>
               </a:ext>
             </a:extLst>
           </p:cNvPr>
@@ -3772,16 +4690,200 @@
             <p:ph idx="1"/>
           </p:nvPr>
         </p:nvSpPr>
-        <p:spPr/>
-        <p:txBody>
-          <a:bodyPr/>
-          <a:lstStyle/>
-          <a:p>
-            <a:r>
-              <a:rPr lang="bg-BG" dirty="0"/>
-              <a:t>&lt;изреди таблици&gt;</a:t>
-            </a:r>
-            <a:endParaRPr lang="en-US" dirty="0"/>
+        <p:spPr>
+          <a:xfrm>
+            <a:off x="838200" y="1825625"/>
+            <a:ext cx="10515600" cy="4351338"/>
+          </a:xfrm>
+        </p:spPr>
+        <p:txBody>
+          <a:bodyPr>
+            <a:normAutofit/>
+          </a:bodyPr>
+          <a:lstStyle/>
+          <a:p>
+            <a:pPr marL="0" lvl="0" indent="0">
+              <a:buNone/>
+            </a:pPr>
+            <a:r>
+              <a:rPr lang="bg-BG" dirty="0">
+                <a:latin typeface="Montserrat" panose="00000500000000000000" pitchFamily="2" charset="0"/>
+              </a:rPr>
+              <a:t>Таблица </a:t>
+            </a:r>
+            <a:r>
+              <a:rPr lang="en-US" dirty="0" err="1">
+                <a:latin typeface="Montserrat" panose="00000500000000000000" pitchFamily="2" charset="0"/>
+              </a:rPr>
+              <a:t>RoomTypes</a:t>
+            </a:r>
+            <a:r>
+              <a:rPr lang="bg-BG" dirty="0">
+                <a:latin typeface="Montserrat" panose="00000500000000000000" pitchFamily="2" charset="0"/>
+              </a:rPr>
+              <a:t> съдържа информация за видовете стаи в хотела както и допълнителна </a:t>
+            </a:r>
+            <a:r>
+              <a:rPr lang="bg-BG" dirty="0" err="1">
+                <a:latin typeface="Montserrat" panose="00000500000000000000" pitchFamily="2" charset="0"/>
+              </a:rPr>
+              <a:t>информациия</a:t>
+            </a:r>
+            <a:r>
+              <a:rPr lang="bg-BG" dirty="0">
+                <a:latin typeface="Montserrat" panose="00000500000000000000" pitchFamily="2" charset="0"/>
+              </a:rPr>
+              <a:t> специфична за всеки вид стая.</a:t>
+            </a:r>
+            <a:endParaRPr lang="en-US" dirty="0">
+              <a:latin typeface="Montserrat" panose="00000500000000000000" pitchFamily="2" charset="0"/>
+            </a:endParaRPr>
+          </a:p>
+          <a:p>
+            <a:pPr marL="0" indent="0">
+              <a:buNone/>
+            </a:pPr>
+            <a:r>
+              <a:rPr lang="en-US" dirty="0">
+                <a:latin typeface="Montserrat" panose="00000500000000000000" pitchFamily="2" charset="0"/>
+              </a:rPr>
+              <a:t> </a:t>
+            </a:r>
+          </a:p>
+          <a:p>
+            <a:pPr lvl="1"/>
+            <a:r>
+              <a:rPr lang="en-US" dirty="0" err="1">
+                <a:latin typeface="Montserrat" panose="00000500000000000000" pitchFamily="2" charset="0"/>
+              </a:rPr>
+              <a:t>roomType</a:t>
+            </a:r>
+            <a:r>
+              <a:rPr lang="en-US" dirty="0">
+                <a:latin typeface="Montserrat" panose="00000500000000000000" pitchFamily="2" charset="0"/>
+              </a:rPr>
+              <a:t> </a:t>
+            </a:r>
+            <a:r>
+              <a:rPr lang="bg-BG" dirty="0">
+                <a:latin typeface="Montserrat" panose="00000500000000000000" pitchFamily="2" charset="0"/>
+              </a:rPr>
+              <a:t>– типа стая (</a:t>
+            </a:r>
+            <a:r>
+              <a:rPr lang="en-US" dirty="0">
+                <a:latin typeface="Montserrat" panose="00000500000000000000" pitchFamily="2" charset="0"/>
+              </a:rPr>
+              <a:t>single, double, apartment, penthouse)</a:t>
+            </a:r>
+            <a:r>
+              <a:rPr lang="bg-BG" dirty="0">
+                <a:latin typeface="Montserrat" panose="00000500000000000000" pitchFamily="2" charset="0"/>
+              </a:rPr>
+              <a:t>,</a:t>
+            </a:r>
+            <a:r>
+              <a:rPr lang="en-US" dirty="0">
+                <a:latin typeface="Montserrat" panose="00000500000000000000" pitchFamily="2" charset="0"/>
+              </a:rPr>
+              <a:t> </a:t>
+            </a:r>
+            <a:r>
+              <a:rPr lang="bg-BG" dirty="0">
+                <a:latin typeface="Montserrat" panose="00000500000000000000" pitchFamily="2" charset="0"/>
+              </a:rPr>
+              <a:t>първичен ключ</a:t>
+            </a:r>
+            <a:endParaRPr lang="en-US" dirty="0">
+              <a:latin typeface="Montserrat" panose="00000500000000000000" pitchFamily="2" charset="0"/>
+            </a:endParaRPr>
+          </a:p>
+          <a:p>
+            <a:pPr marL="457200" lvl="1" indent="0">
+              <a:buNone/>
+            </a:pPr>
+            <a:r>
+              <a:rPr lang="en-US" dirty="0">
+                <a:latin typeface="Montserrat" panose="00000500000000000000" pitchFamily="2" charset="0"/>
+              </a:rPr>
+              <a:t>	</a:t>
+            </a:r>
+          </a:p>
+          <a:p>
+            <a:pPr lvl="1"/>
+            <a:r>
+              <a:rPr lang="en-US" dirty="0" err="1">
+                <a:latin typeface="Montserrat" panose="00000500000000000000" pitchFamily="2" charset="0"/>
+              </a:rPr>
+              <a:t>numberOfBeds</a:t>
+            </a:r>
+            <a:r>
+              <a:rPr lang="en-US" dirty="0">
+                <a:latin typeface="Montserrat" panose="00000500000000000000" pitchFamily="2" charset="0"/>
+              </a:rPr>
+              <a:t> – </a:t>
+            </a:r>
+            <a:r>
+              <a:rPr lang="bg-BG" dirty="0">
+                <a:latin typeface="Montserrat" panose="00000500000000000000" pitchFamily="2" charset="0"/>
+              </a:rPr>
+              <a:t>брой легла за всеки тип стая</a:t>
+            </a:r>
+            <a:endParaRPr lang="en-US" dirty="0">
+              <a:latin typeface="Montserrat" panose="00000500000000000000" pitchFamily="2" charset="0"/>
+            </a:endParaRPr>
+          </a:p>
+          <a:p>
+            <a:pPr marL="457200" lvl="1" indent="0">
+              <a:buNone/>
+            </a:pPr>
+            <a:r>
+              <a:rPr lang="en-US" dirty="0">
+                <a:latin typeface="Montserrat" panose="00000500000000000000" pitchFamily="2" charset="0"/>
+              </a:rPr>
+              <a:t>	</a:t>
+            </a:r>
+          </a:p>
+          <a:p>
+            <a:pPr lvl="1"/>
+            <a:r>
+              <a:rPr lang="en-US" dirty="0" err="1">
+                <a:latin typeface="Montserrat" panose="00000500000000000000" pitchFamily="2" charset="0"/>
+              </a:rPr>
+              <a:t>pricePerNight</a:t>
+            </a:r>
+            <a:r>
+              <a:rPr lang="en-US" dirty="0">
+                <a:latin typeface="Montserrat" panose="00000500000000000000" pitchFamily="2" charset="0"/>
+              </a:rPr>
+              <a:t> </a:t>
+            </a:r>
+            <a:r>
+              <a:rPr lang="bg-BG" dirty="0">
+                <a:latin typeface="Montserrat" panose="00000500000000000000" pitchFamily="2" charset="0"/>
+              </a:rPr>
+              <a:t>– </a:t>
+            </a:r>
+            <a:r>
+              <a:rPr lang="bg-BG" dirty="0" err="1">
+                <a:latin typeface="Montserrat" panose="00000500000000000000" pitchFamily="2" charset="0"/>
+              </a:rPr>
+              <a:t>ценета</a:t>
+            </a:r>
+            <a:r>
+              <a:rPr lang="bg-BG" dirty="0">
+                <a:latin typeface="Montserrat" panose="00000500000000000000" pitchFamily="2" charset="0"/>
+              </a:rPr>
+              <a:t> за нощувка в даден вид стая</a:t>
+            </a:r>
+            <a:endParaRPr lang="en-US" dirty="0">
+              <a:latin typeface="Montserrat" panose="00000500000000000000" pitchFamily="2" charset="0"/>
+            </a:endParaRPr>
+          </a:p>
+          <a:p>
+            <a:endParaRPr lang="en-US" dirty="0">
+              <a:latin typeface="Montserrat" panose="00000500000000000000" pitchFamily="2" charset="0"/>
+            </a:endParaRPr>
           </a:p>
         </p:txBody>
       </p:sp>
@@ -3820,7 +4922,7 @@
           <p:cNvPr id="2" name="Title 1">
             <a:extLst>
               <a:ext uri="{FF2B5EF4-FFF2-40B4-BE49-F238E27FC236}">
-                <a16:creationId xmlns:a16="http://schemas.microsoft.com/office/drawing/2014/main" id="{A7848404-F624-43DB-8189-64D23BCF49BF}"/>
+                <a16:creationId xmlns:a16="http://schemas.microsoft.com/office/drawing/2014/main" id="{A380C1A2-FDFC-4941-9A0B-0021B0E08A42}"/>
               </a:ext>
             </a:extLst>
           </p:cNvPr>
@@ -3837,10 +4939,20 @@
           <a:lstStyle/>
           <a:p>
             <a:r>
-              <a:rPr lang="bg-BG" dirty="0"/>
-              <a:t>Примерна функционалност</a:t>
-            </a:r>
-            <a:endParaRPr lang="en-US" dirty="0"/>
+              <a:rPr lang="en-US" dirty="0">
+                <a:solidFill>
+                  <a:schemeClr val="tx1">
+                    <a:lumMod val="75000"/>
+                    <a:lumOff val="25000"/>
+                  </a:schemeClr>
+                </a:solidFill>
+                <a:latin typeface="Montserrat SemiBold" panose="00000700000000000000" pitchFamily="2" charset="0"/>
+              </a:rPr>
+              <a:t>Rooms</a:t>
+            </a:r>
+            <a:endParaRPr lang="en-US" b="1" dirty="0">
+              <a:latin typeface="Montserrat SemiBold" panose="00000700000000000000" pitchFamily="2" charset="0"/>
+            </a:endParaRPr>
           </a:p>
         </p:txBody>
       </p:sp>
@@ -3849,7 +4961,7 @@
           <p:cNvPr id="3" name="Content Placeholder 2">
             <a:extLst>
               <a:ext uri="{FF2B5EF4-FFF2-40B4-BE49-F238E27FC236}">
-                <a16:creationId xmlns:a16="http://schemas.microsoft.com/office/drawing/2014/main" id="{444DEA0C-04E1-41B7-B4FD-4EDA154C060B}"/>
+                <a16:creationId xmlns:a16="http://schemas.microsoft.com/office/drawing/2014/main" id="{B35FAE54-48C1-47E9-9863-0B32ED9DCC9A}"/>
               </a:ext>
             </a:extLst>
           </p:cNvPr>
@@ -3862,17 +4974,223 @@
         </p:nvSpPr>
         <p:spPr/>
         <p:txBody>
-          <a:bodyPr/>
-          <a:lstStyle/>
-          <a:p>
-            <a:endParaRPr lang="en-US" dirty="0"/>
+          <a:bodyPr>
+            <a:normAutofit lnSpcReduction="10000"/>
+          </a:bodyPr>
+          <a:lstStyle/>
+          <a:p>
+            <a:pPr marL="0" lvl="0" indent="0">
+              <a:buNone/>
+            </a:pPr>
+            <a:r>
+              <a:rPr lang="bg-BG" dirty="0" err="1">
+                <a:latin typeface="Montserrat" panose="00000500000000000000" pitchFamily="2" charset="0"/>
+              </a:rPr>
+              <a:t>Табица</a:t>
+            </a:r>
+            <a:r>
+              <a:rPr lang="bg-BG" dirty="0">
+                <a:latin typeface="Montserrat" panose="00000500000000000000" pitchFamily="2" charset="0"/>
+              </a:rPr>
+              <a:t> </a:t>
+            </a:r>
+            <a:r>
+              <a:rPr lang="en-US" dirty="0">
+                <a:latin typeface="Montserrat" panose="00000500000000000000" pitchFamily="2" charset="0"/>
+              </a:rPr>
+              <a:t>Rooms </a:t>
+            </a:r>
+            <a:r>
+              <a:rPr lang="bg-BG" dirty="0">
+                <a:latin typeface="Montserrat" panose="00000500000000000000" pitchFamily="2" charset="0"/>
+              </a:rPr>
+              <a:t>съдържа стаите които има в хотела.</a:t>
+            </a:r>
+            <a:endParaRPr lang="en-US" dirty="0">
+              <a:latin typeface="Montserrat" panose="00000500000000000000" pitchFamily="2" charset="0"/>
+            </a:endParaRPr>
+          </a:p>
+          <a:p>
+            <a:pPr marL="0" indent="0">
+              <a:buNone/>
+            </a:pPr>
+            <a:r>
+              <a:rPr lang="en-US" dirty="0">
+                <a:latin typeface="Montserrat" panose="00000500000000000000" pitchFamily="2" charset="0"/>
+              </a:rPr>
+              <a:t> </a:t>
+            </a:r>
+          </a:p>
+          <a:p>
+            <a:pPr lvl="1"/>
+            <a:r>
+              <a:rPr lang="en-US" dirty="0" err="1">
+                <a:latin typeface="Montserrat" panose="00000500000000000000" pitchFamily="2" charset="0"/>
+              </a:rPr>
+              <a:t>roomNumber</a:t>
+            </a:r>
+            <a:r>
+              <a:rPr lang="en-US" dirty="0">
+                <a:latin typeface="Montserrat" panose="00000500000000000000" pitchFamily="2" charset="0"/>
+              </a:rPr>
+              <a:t> </a:t>
+            </a:r>
+            <a:r>
+              <a:rPr lang="bg-BG" dirty="0">
+                <a:latin typeface="Montserrat" panose="00000500000000000000" pitchFamily="2" charset="0"/>
+              </a:rPr>
+              <a:t>– номера да дадена </a:t>
+            </a:r>
+            <a:r>
+              <a:rPr lang="bg-BG" dirty="0" err="1">
+                <a:latin typeface="Montserrat" panose="00000500000000000000" pitchFamily="2" charset="0"/>
+              </a:rPr>
+              <a:t>стя</a:t>
+            </a:r>
+            <a:r>
+              <a:rPr lang="bg-BG" dirty="0">
+                <a:latin typeface="Montserrat" panose="00000500000000000000" pitchFamily="2" charset="0"/>
+              </a:rPr>
+              <a:t>, първичен ключ</a:t>
+            </a:r>
+            <a:endParaRPr lang="en-US" dirty="0">
+              <a:latin typeface="Montserrat" panose="00000500000000000000" pitchFamily="2" charset="0"/>
+            </a:endParaRPr>
+          </a:p>
+          <a:p>
+            <a:pPr marL="457200" lvl="1" indent="0">
+              <a:buNone/>
+            </a:pPr>
+            <a:r>
+              <a:rPr lang="en-US" dirty="0">
+                <a:latin typeface="Montserrat" panose="00000500000000000000" pitchFamily="2" charset="0"/>
+              </a:rPr>
+              <a:t>	</a:t>
+            </a:r>
+          </a:p>
+          <a:p>
+            <a:pPr lvl="1"/>
+            <a:r>
+              <a:rPr lang="en-US" dirty="0" err="1">
+                <a:latin typeface="Montserrat" panose="00000500000000000000" pitchFamily="2" charset="0"/>
+              </a:rPr>
+              <a:t>roomType</a:t>
+            </a:r>
+            <a:r>
+              <a:rPr lang="en-US" dirty="0">
+                <a:latin typeface="Montserrat" panose="00000500000000000000" pitchFamily="2" charset="0"/>
+              </a:rPr>
+              <a:t> – </a:t>
+            </a:r>
+            <a:r>
+              <a:rPr lang="bg-BG" dirty="0">
+                <a:latin typeface="Montserrat" panose="00000500000000000000" pitchFamily="2" charset="0"/>
+              </a:rPr>
+              <a:t>външен ключ към </a:t>
+            </a:r>
+            <a:r>
+              <a:rPr lang="en-US" dirty="0" err="1">
+                <a:latin typeface="Montserrat" panose="00000500000000000000" pitchFamily="2" charset="0"/>
+              </a:rPr>
+              <a:t>RoomTypes.roomtype</a:t>
+            </a:r>
+            <a:endParaRPr lang="en-US" dirty="0">
+              <a:latin typeface="Montserrat" panose="00000500000000000000" pitchFamily="2" charset="0"/>
+            </a:endParaRPr>
+          </a:p>
+          <a:p>
+            <a:pPr marL="457200" lvl="1" indent="0">
+              <a:buNone/>
+            </a:pPr>
+            <a:r>
+              <a:rPr lang="en-US" dirty="0">
+                <a:latin typeface="Montserrat" panose="00000500000000000000" pitchFamily="2" charset="0"/>
+              </a:rPr>
+              <a:t>	</a:t>
+            </a:r>
+          </a:p>
+          <a:p>
+            <a:pPr lvl="1"/>
+            <a:r>
+              <a:rPr lang="en-US" dirty="0" err="1">
+                <a:latin typeface="Montserrat" panose="00000500000000000000" pitchFamily="2" charset="0"/>
+              </a:rPr>
+              <a:t>requiresCleaning</a:t>
+            </a:r>
+            <a:r>
+              <a:rPr lang="en-US" dirty="0">
+                <a:latin typeface="Montserrat" panose="00000500000000000000" pitchFamily="2" charset="0"/>
+              </a:rPr>
+              <a:t> – </a:t>
+            </a:r>
+            <a:r>
+              <a:rPr lang="bg-BG" dirty="0">
+                <a:latin typeface="Montserrat" panose="00000500000000000000" pitchFamily="2" charset="0"/>
+              </a:rPr>
+              <a:t>бит който определя дали дадена стая трябва да се чисти (0 – не трябва, 1- трябва)</a:t>
+            </a:r>
+            <a:endParaRPr lang="en-US" dirty="0">
+              <a:latin typeface="Montserrat" panose="00000500000000000000" pitchFamily="2" charset="0"/>
+            </a:endParaRPr>
+          </a:p>
+          <a:p>
+            <a:pPr marL="457200" lvl="1" indent="0">
+              <a:buNone/>
+            </a:pPr>
+            <a:r>
+              <a:rPr lang="en-US" dirty="0">
+                <a:latin typeface="Montserrat" panose="00000500000000000000" pitchFamily="2" charset="0"/>
+              </a:rPr>
+              <a:t>	</a:t>
+            </a:r>
+          </a:p>
+          <a:p>
+            <a:pPr lvl="1"/>
+            <a:r>
+              <a:rPr lang="en-US" dirty="0" err="1">
+                <a:latin typeface="Montserrat" panose="00000500000000000000" pitchFamily="2" charset="0"/>
+              </a:rPr>
+              <a:t>requiresMaintenance</a:t>
+            </a:r>
+            <a:r>
+              <a:rPr lang="en-US" dirty="0">
+                <a:latin typeface="Montserrat" panose="00000500000000000000" pitchFamily="2" charset="0"/>
+              </a:rPr>
+              <a:t> </a:t>
+            </a:r>
+            <a:r>
+              <a:rPr lang="bg-BG" dirty="0">
+                <a:latin typeface="Montserrat" panose="00000500000000000000" pitchFamily="2" charset="0"/>
+              </a:rPr>
+              <a:t>- бит който определя дали дадена стая се 	нуждае от поддръжка</a:t>
+            </a:r>
+            <a:r>
+              <a:rPr lang="en-US" dirty="0">
+                <a:latin typeface="Montserrat" panose="00000500000000000000" pitchFamily="2" charset="0"/>
+              </a:rPr>
+              <a:t> </a:t>
+            </a:r>
+            <a:r>
+              <a:rPr lang="bg-BG" dirty="0">
+                <a:latin typeface="Montserrat" panose="00000500000000000000" pitchFamily="2" charset="0"/>
+              </a:rPr>
+              <a:t>(0 – не трябва, 1- трябва)</a:t>
+            </a:r>
+            <a:endParaRPr lang="en-US" dirty="0">
+              <a:latin typeface="Montserrat" panose="00000500000000000000" pitchFamily="2" charset="0"/>
+            </a:endParaRPr>
+          </a:p>
+          <a:p>
+            <a:endParaRPr lang="en-US" dirty="0">
+              <a:latin typeface="Montserrat" panose="00000500000000000000" pitchFamily="2" charset="0"/>
+            </a:endParaRPr>
           </a:p>
         </p:txBody>
       </p:sp>
     </p:spTree>
     <p:extLst>
       <p:ext uri="{BB962C8B-B14F-4D97-AF65-F5344CB8AC3E}">
-        <p14:creationId xmlns:p14="http://schemas.microsoft.com/office/powerpoint/2010/main" val="562771343"/>
+        <p14:creationId xmlns:p14="http://schemas.microsoft.com/office/powerpoint/2010/main" val="3298000051"/>
       </p:ext>
     </p:extLst>
   </p:cSld>
@@ -3904,7 +5222,7 @@
           <p:cNvPr id="2" name="Title 1">
             <a:extLst>
               <a:ext uri="{FF2B5EF4-FFF2-40B4-BE49-F238E27FC236}">
-                <a16:creationId xmlns:a16="http://schemas.microsoft.com/office/drawing/2014/main" id="{1D1037D5-CFC0-4570-8043-9E0F1EC3C4F2}"/>
+                <a16:creationId xmlns:a16="http://schemas.microsoft.com/office/drawing/2014/main" id="{35C8CC73-2AE3-4C1C-9355-E2A9806A8C78}"/>
               </a:ext>
             </a:extLst>
           </p:cNvPr>
@@ -3921,49 +5239,963 @@
           <a:lstStyle/>
           <a:p>
             <a:r>
-              <a:rPr lang="en-US" dirty="0"/>
+              <a:rPr lang="en-US" dirty="0">
+                <a:solidFill>
+                  <a:schemeClr val="tx1">
+                    <a:lumMod val="75000"/>
+                    <a:lumOff val="25000"/>
+                  </a:schemeClr>
+                </a:solidFill>
+                <a:latin typeface="Montserrat SemiBold" panose="00000700000000000000" pitchFamily="2" charset="0"/>
+              </a:rPr>
+              <a:t>Guests</a:t>
+            </a:r>
+            <a:endParaRPr lang="en-US" dirty="0">
+              <a:latin typeface="Montserrat SemiBold" panose="00000700000000000000" pitchFamily="2" charset="0"/>
+            </a:endParaRPr>
+          </a:p>
+        </p:txBody>
+      </p:sp>
+      <p:sp>
+        <p:nvSpPr>
+          <p:cNvPr id="3" name="Content Placeholder 2">
+            <a:extLst>
+              <a:ext uri="{FF2B5EF4-FFF2-40B4-BE49-F238E27FC236}">
+                <a16:creationId xmlns:a16="http://schemas.microsoft.com/office/drawing/2014/main" id="{1C0DB53C-FA70-4725-B26C-F8BDFB07797D}"/>
+              </a:ext>
+            </a:extLst>
+          </p:cNvPr>
+          <p:cNvSpPr>
+            <a:spLocks noGrp="1"/>
+          </p:cNvSpPr>
+          <p:nvPr>
+            <p:ph idx="1"/>
+          </p:nvPr>
+        </p:nvSpPr>
+        <p:spPr/>
+        <p:txBody>
+          <a:bodyPr>
+            <a:normAutofit lnSpcReduction="10000"/>
+          </a:bodyPr>
+          <a:lstStyle/>
+          <a:p>
+            <a:pPr marL="0" lvl="0" indent="0">
+              <a:buNone/>
+            </a:pPr>
+            <a:r>
+              <a:rPr lang="bg-BG" dirty="0">
+                <a:latin typeface="Montserrat" panose="00000500000000000000" pitchFamily="2" charset="0"/>
+              </a:rPr>
+              <a:t>Таблица </a:t>
+            </a:r>
+            <a:r>
+              <a:rPr lang="en-US" dirty="0">
+                <a:latin typeface="Montserrat" panose="00000500000000000000" pitchFamily="2" charset="0"/>
+              </a:rPr>
+              <a:t>Guests</a:t>
+            </a:r>
+            <a:r>
+              <a:rPr lang="bg-BG" dirty="0">
+                <a:latin typeface="Montserrat" panose="00000500000000000000" pitchFamily="2" charset="0"/>
+              </a:rPr>
+              <a:t> съдържа информацията за гостите които са били, са, или ще бъдат в хотела.</a:t>
+            </a:r>
+            <a:endParaRPr lang="en-US" dirty="0">
+              <a:latin typeface="Montserrat" panose="00000500000000000000" pitchFamily="2" charset="0"/>
+            </a:endParaRPr>
+          </a:p>
+          <a:p>
+            <a:pPr marL="0" indent="0">
+              <a:buNone/>
+            </a:pPr>
+            <a:r>
+              <a:rPr lang="en-US" dirty="0">
+                <a:latin typeface="Montserrat" panose="00000500000000000000" pitchFamily="2" charset="0"/>
+              </a:rPr>
+              <a:t>	</a:t>
+            </a:r>
+          </a:p>
+          <a:p>
+            <a:pPr lvl="1"/>
+            <a:r>
+              <a:rPr lang="en-US" dirty="0">
+                <a:latin typeface="Montserrat" panose="00000500000000000000" pitchFamily="2" charset="0"/>
+              </a:rPr>
+              <a:t>EGN </a:t>
+            </a:r>
+            <a:r>
+              <a:rPr lang="bg-BG" dirty="0">
+                <a:latin typeface="Montserrat" panose="00000500000000000000" pitchFamily="2" charset="0"/>
+              </a:rPr>
+              <a:t>– ЕГН на гостът, първичен ключ</a:t>
+            </a:r>
+            <a:endParaRPr lang="en-US" dirty="0">
+              <a:latin typeface="Montserrat" panose="00000500000000000000" pitchFamily="2" charset="0"/>
+            </a:endParaRPr>
+          </a:p>
+          <a:p>
+            <a:pPr lvl="1"/>
+            <a:endParaRPr lang="en-US" dirty="0">
+              <a:latin typeface="Montserrat" panose="00000500000000000000" pitchFamily="2" charset="0"/>
+            </a:endParaRPr>
+          </a:p>
+          <a:p>
+            <a:pPr lvl="1"/>
+            <a:r>
+              <a:rPr lang="en-US" dirty="0">
+                <a:latin typeface="Montserrat" panose="00000500000000000000" pitchFamily="2" charset="0"/>
+              </a:rPr>
+              <a:t>FirstName </a:t>
+            </a:r>
+            <a:r>
+              <a:rPr lang="bg-BG" dirty="0">
+                <a:latin typeface="Montserrat" panose="00000500000000000000" pitchFamily="2" charset="0"/>
+              </a:rPr>
+              <a:t>– Собствено име</a:t>
+            </a:r>
+            <a:endParaRPr lang="en-US" dirty="0">
+              <a:latin typeface="Montserrat" panose="00000500000000000000" pitchFamily="2" charset="0"/>
+            </a:endParaRPr>
+          </a:p>
+          <a:p>
+            <a:pPr marL="457200" lvl="1" indent="0">
+              <a:buNone/>
+            </a:pPr>
+            <a:r>
+              <a:rPr lang="en-US" dirty="0">
+                <a:latin typeface="Montserrat" panose="00000500000000000000" pitchFamily="2" charset="0"/>
+              </a:rPr>
+              <a:t>	</a:t>
+            </a:r>
+          </a:p>
+          <a:p>
+            <a:pPr lvl="1"/>
+            <a:r>
+              <a:rPr lang="en-US" dirty="0" err="1">
+                <a:latin typeface="Montserrat" panose="00000500000000000000" pitchFamily="2" charset="0"/>
+              </a:rPr>
+              <a:t>LastName</a:t>
+            </a:r>
+            <a:r>
+              <a:rPr lang="en-US" dirty="0">
+                <a:latin typeface="Montserrat" panose="00000500000000000000" pitchFamily="2" charset="0"/>
+              </a:rPr>
               <a:t> </a:t>
             </a:r>
             <a:r>
-              <a:rPr lang="bg-BG" dirty="0"/>
-              <a:t>Тригери, Изгледи и Индекси</a:t>
-            </a:r>
-            <a:br>
-              <a:rPr lang="en-US" dirty="0"/>
-            </a:br>
+              <a:rPr lang="bg-BG" dirty="0">
+                <a:latin typeface="Montserrat" panose="00000500000000000000" pitchFamily="2" charset="0"/>
+              </a:rPr>
+              <a:t>– Фамилно име</a:t>
+            </a:r>
+            <a:endParaRPr lang="en-US" dirty="0">
+              <a:latin typeface="Montserrat" panose="00000500000000000000" pitchFamily="2" charset="0"/>
+            </a:endParaRPr>
+          </a:p>
+          <a:p>
+            <a:pPr lvl="1"/>
+            <a:endParaRPr lang="en-US" dirty="0">
+              <a:latin typeface="Montserrat" panose="00000500000000000000" pitchFamily="2" charset="0"/>
+            </a:endParaRPr>
+          </a:p>
+          <a:p>
+            <a:pPr lvl="1"/>
+            <a:r>
+              <a:rPr lang="en-US" dirty="0" err="1">
+                <a:latin typeface="Montserrat" panose="00000500000000000000" pitchFamily="2" charset="0"/>
+              </a:rPr>
+              <a:t>extraNotes</a:t>
+            </a:r>
+            <a:r>
+              <a:rPr lang="bg-BG" dirty="0">
+                <a:latin typeface="Montserrat" panose="00000500000000000000" pitchFamily="2" charset="0"/>
+              </a:rPr>
+              <a:t> – Колона която съдържа допълнителни желания на </a:t>
+            </a:r>
+            <a:r>
+              <a:rPr lang="en-US" dirty="0">
+                <a:latin typeface="Montserrat" panose="00000500000000000000" pitchFamily="2" charset="0"/>
+              </a:rPr>
+              <a:t> </a:t>
+            </a:r>
+            <a:r>
+              <a:rPr lang="bg-BG" dirty="0">
+                <a:latin typeface="Montserrat" panose="00000500000000000000" pitchFamily="2" charset="0"/>
+              </a:rPr>
+              <a:t>клиента.</a:t>
+            </a:r>
+            <a:endParaRPr lang="en-US" dirty="0">
+              <a:latin typeface="Montserrat" panose="00000500000000000000" pitchFamily="2" charset="0"/>
+            </a:endParaRPr>
+          </a:p>
+          <a:p>
             <a:endParaRPr lang="en-US" dirty="0"/>
-          </a:p>
-        </p:txBody>
-      </p:sp>
-      <p:sp>
-        <p:nvSpPr>
-          <p:cNvPr id="3" name="Content Placeholder 2">
-            <a:extLst>
-              <a:ext uri="{FF2B5EF4-FFF2-40B4-BE49-F238E27FC236}">
-                <a16:creationId xmlns:a16="http://schemas.microsoft.com/office/drawing/2014/main" id="{D6CD189F-17DB-49A1-B3CB-4F93CDE25B62}"/>
-              </a:ext>
-            </a:extLst>
-          </p:cNvPr>
-          <p:cNvSpPr>
-            <a:spLocks noGrp="1"/>
-          </p:cNvSpPr>
-          <p:nvPr>
-            <p:ph idx="1"/>
-          </p:nvPr>
-        </p:nvSpPr>
-        <p:spPr/>
-        <p:txBody>
-          <a:bodyPr/>
-          <a:lstStyle/>
-          <a:p>
-            <a:endParaRPr lang="en-US"/>
           </a:p>
         </p:txBody>
       </p:sp>
     </p:spTree>
     <p:extLst>
       <p:ext uri="{BB962C8B-B14F-4D97-AF65-F5344CB8AC3E}">
-        <p14:creationId xmlns:p14="http://schemas.microsoft.com/office/powerpoint/2010/main" val="1242337074"/>
+        <p14:creationId xmlns:p14="http://schemas.microsoft.com/office/powerpoint/2010/main" val="3339649066"/>
+      </p:ext>
+    </p:extLst>
+  </p:cSld>
+  <p:clrMapOvr>
+    <a:masterClrMapping/>
+  </p:clrMapOvr>
+</p:sld>
+</file>
+
+<file path=ppt/slides/slide8.xml><?xml version="1.0" encoding="utf-8"?>
+<p:sld xmlns:a="http://schemas.openxmlformats.org/drawingml/2006/main" xmlns:r="http://schemas.openxmlformats.org/officeDocument/2006/relationships" xmlns:p="http://schemas.openxmlformats.org/presentationml/2006/main">
+  <p:cSld>
+    <p:spTree>
+      <p:nvGrpSpPr>
+        <p:cNvPr id="1" name=""/>
+        <p:cNvGrpSpPr/>
+        <p:nvPr/>
+      </p:nvGrpSpPr>
+      <p:grpSpPr>
+        <a:xfrm>
+          <a:off x="0" y="0"/>
+          <a:ext cx="0" cy="0"/>
+          <a:chOff x="0" y="0"/>
+          <a:chExt cx="0" cy="0"/>
+        </a:xfrm>
+      </p:grpSpPr>
+      <p:sp>
+        <p:nvSpPr>
+          <p:cNvPr id="2" name="Title 1">
+            <a:extLst>
+              <a:ext uri="{FF2B5EF4-FFF2-40B4-BE49-F238E27FC236}">
+                <a16:creationId xmlns:a16="http://schemas.microsoft.com/office/drawing/2014/main" id="{136AC9C8-B278-436E-904F-A458A20B7BA2}"/>
+              </a:ext>
+            </a:extLst>
+          </p:cNvPr>
+          <p:cNvSpPr>
+            <a:spLocks noGrp="1"/>
+          </p:cNvSpPr>
+          <p:nvPr>
+            <p:ph type="title"/>
+          </p:nvPr>
+        </p:nvSpPr>
+        <p:spPr/>
+        <p:txBody>
+          <a:bodyPr/>
+          <a:lstStyle/>
+          <a:p>
+            <a:r>
+              <a:rPr lang="en-US" dirty="0">
+                <a:solidFill>
+                  <a:schemeClr val="tx1">
+                    <a:lumMod val="75000"/>
+                    <a:lumOff val="25000"/>
+                  </a:schemeClr>
+                </a:solidFill>
+                <a:latin typeface="Montserrat" panose="00000500000000000000" pitchFamily="2" charset="0"/>
+              </a:rPr>
+              <a:t>Reservations</a:t>
+            </a:r>
+            <a:endParaRPr lang="en-US" dirty="0"/>
+          </a:p>
+        </p:txBody>
+      </p:sp>
+      <p:sp>
+        <p:nvSpPr>
+          <p:cNvPr id="3" name="Content Placeholder 2">
+            <a:extLst>
+              <a:ext uri="{FF2B5EF4-FFF2-40B4-BE49-F238E27FC236}">
+                <a16:creationId xmlns:a16="http://schemas.microsoft.com/office/drawing/2014/main" id="{618B9CF2-B7E7-4AA9-BE81-BA31CF9FE1A3}"/>
+              </a:ext>
+            </a:extLst>
+          </p:cNvPr>
+          <p:cNvSpPr>
+            <a:spLocks noGrp="1"/>
+          </p:cNvSpPr>
+          <p:nvPr>
+            <p:ph idx="1"/>
+          </p:nvPr>
+        </p:nvSpPr>
+        <p:spPr>
+          <a:xfrm>
+            <a:off x="838200" y="1433384"/>
+            <a:ext cx="10515600" cy="4926227"/>
+          </a:xfrm>
+        </p:spPr>
+        <p:txBody>
+          <a:bodyPr>
+            <a:normAutofit fontScale="92500" lnSpcReduction="10000"/>
+          </a:bodyPr>
+          <a:lstStyle/>
+          <a:p>
+            <a:pPr marL="0" lvl="0" indent="0">
+              <a:buNone/>
+            </a:pPr>
+            <a:r>
+              <a:rPr lang="bg-BG" dirty="0">
+                <a:latin typeface="Montserrat" panose="00000500000000000000" pitchFamily="2" charset="0"/>
+              </a:rPr>
+              <a:t>Таблица</a:t>
+            </a:r>
+            <a:r>
+              <a:rPr lang="en-US" dirty="0">
+                <a:latin typeface="Montserrat" panose="00000500000000000000" pitchFamily="2" charset="0"/>
+              </a:rPr>
+              <a:t> Reservations</a:t>
+            </a:r>
+            <a:r>
+              <a:rPr lang="bg-BG" dirty="0">
+                <a:latin typeface="Montserrat" panose="00000500000000000000" pitchFamily="2" charset="0"/>
+              </a:rPr>
+              <a:t> съдържа информация за направените резервации</a:t>
+            </a:r>
+            <a:endParaRPr lang="en-US" dirty="0">
+              <a:latin typeface="Montserrat" panose="00000500000000000000" pitchFamily="2" charset="0"/>
+            </a:endParaRPr>
+          </a:p>
+          <a:p>
+            <a:pPr marL="0" indent="0">
+              <a:buNone/>
+            </a:pPr>
+            <a:r>
+              <a:rPr lang="bg-BG" dirty="0">
+                <a:latin typeface="Montserrat" panose="00000500000000000000" pitchFamily="2" charset="0"/>
+              </a:rPr>
+              <a:t> </a:t>
+            </a:r>
+            <a:endParaRPr lang="en-US" dirty="0">
+              <a:latin typeface="Montserrat" panose="00000500000000000000" pitchFamily="2" charset="0"/>
+            </a:endParaRPr>
+          </a:p>
+          <a:p>
+            <a:pPr lvl="1"/>
+            <a:r>
+              <a:rPr lang="en-US" dirty="0">
+                <a:latin typeface="Montserrat" panose="00000500000000000000" pitchFamily="2" charset="0"/>
+              </a:rPr>
+              <a:t>ID</a:t>
+            </a:r>
+            <a:r>
+              <a:rPr lang="bg-BG" dirty="0">
+                <a:latin typeface="Montserrat" panose="00000500000000000000" pitchFamily="2" charset="0"/>
+              </a:rPr>
+              <a:t> – уникално </a:t>
+            </a:r>
+            <a:r>
+              <a:rPr lang="en-US" dirty="0">
+                <a:latin typeface="Montserrat" panose="00000500000000000000" pitchFamily="2" charset="0"/>
+              </a:rPr>
+              <a:t>ID </a:t>
+            </a:r>
+            <a:r>
+              <a:rPr lang="bg-BG" dirty="0">
+                <a:latin typeface="Montserrat" panose="00000500000000000000" pitchFamily="2" charset="0"/>
+              </a:rPr>
+              <a:t>на резервацията (типът е </a:t>
+            </a:r>
+            <a:r>
+              <a:rPr lang="en-US" dirty="0" err="1">
+                <a:latin typeface="Montserrat" panose="00000500000000000000" pitchFamily="2" charset="0"/>
+              </a:rPr>
+              <a:t>uniqueidentifier</a:t>
+            </a:r>
+            <a:r>
+              <a:rPr lang="bg-BG" dirty="0">
+                <a:latin typeface="Montserrat" panose="00000500000000000000" pitchFamily="2" charset="0"/>
+              </a:rPr>
+              <a:t>), първичен ключ </a:t>
+            </a:r>
+            <a:endParaRPr lang="en-US" dirty="0">
+              <a:latin typeface="Montserrat" panose="00000500000000000000" pitchFamily="2" charset="0"/>
+            </a:endParaRPr>
+          </a:p>
+          <a:p>
+            <a:pPr lvl="1"/>
+            <a:r>
+              <a:rPr lang="en-US" dirty="0" err="1">
+                <a:latin typeface="Montserrat" panose="00000500000000000000" pitchFamily="2" charset="0"/>
+              </a:rPr>
+              <a:t>CheckInDate</a:t>
+            </a:r>
+            <a:r>
+              <a:rPr lang="en-US" dirty="0">
+                <a:latin typeface="Montserrat" panose="00000500000000000000" pitchFamily="2" charset="0"/>
+              </a:rPr>
+              <a:t> </a:t>
+            </a:r>
+            <a:r>
+              <a:rPr lang="bg-BG" dirty="0">
+                <a:latin typeface="Montserrat" panose="00000500000000000000" pitchFamily="2" charset="0"/>
+              </a:rPr>
+              <a:t>– дата на настаняване </a:t>
+            </a:r>
+            <a:endParaRPr lang="en-US" dirty="0">
+              <a:latin typeface="Montserrat" panose="00000500000000000000" pitchFamily="2" charset="0"/>
+            </a:endParaRPr>
+          </a:p>
+          <a:p>
+            <a:pPr lvl="1"/>
+            <a:r>
+              <a:rPr lang="en-US" dirty="0" err="1">
+                <a:latin typeface="Montserrat" panose="00000500000000000000" pitchFamily="2" charset="0"/>
+              </a:rPr>
+              <a:t>CheckOutDate</a:t>
+            </a:r>
+            <a:r>
+              <a:rPr lang="en-US" dirty="0">
+                <a:latin typeface="Montserrat" panose="00000500000000000000" pitchFamily="2" charset="0"/>
+              </a:rPr>
+              <a:t> </a:t>
+            </a:r>
+            <a:r>
+              <a:rPr lang="bg-BG" dirty="0">
+                <a:latin typeface="Montserrat" panose="00000500000000000000" pitchFamily="2" charset="0"/>
+              </a:rPr>
+              <a:t>– дата на напускане </a:t>
+            </a:r>
+            <a:endParaRPr lang="en-US" dirty="0">
+              <a:latin typeface="Montserrat" panose="00000500000000000000" pitchFamily="2" charset="0"/>
+            </a:endParaRPr>
+          </a:p>
+          <a:p>
+            <a:pPr lvl="1"/>
+            <a:r>
+              <a:rPr lang="en-US" dirty="0" err="1">
+                <a:latin typeface="Montserrat" panose="00000500000000000000" pitchFamily="2" charset="0"/>
+              </a:rPr>
+              <a:t>ReservationDate</a:t>
+            </a:r>
+            <a:r>
+              <a:rPr lang="bg-BG" dirty="0">
+                <a:latin typeface="Montserrat" panose="00000500000000000000" pitchFamily="2" charset="0"/>
+              </a:rPr>
+              <a:t> – датата, на която е направена резервацията </a:t>
+            </a:r>
+            <a:endParaRPr lang="en-US" dirty="0">
+              <a:latin typeface="Montserrat" panose="00000500000000000000" pitchFamily="2" charset="0"/>
+            </a:endParaRPr>
+          </a:p>
+          <a:p>
+            <a:pPr lvl="1"/>
+            <a:r>
+              <a:rPr lang="en-US" dirty="0">
+                <a:latin typeface="Montserrat" panose="00000500000000000000" pitchFamily="2" charset="0"/>
+              </a:rPr>
+              <a:t>Adults </a:t>
+            </a:r>
+            <a:r>
+              <a:rPr lang="bg-BG" dirty="0">
+                <a:latin typeface="Montserrat" panose="00000500000000000000" pitchFamily="2" charset="0"/>
+              </a:rPr>
+              <a:t>– брой възрастни </a:t>
+            </a:r>
+            <a:endParaRPr lang="en-US" dirty="0">
+              <a:latin typeface="Montserrat" panose="00000500000000000000" pitchFamily="2" charset="0"/>
+            </a:endParaRPr>
+          </a:p>
+          <a:p>
+            <a:pPr lvl="1"/>
+            <a:r>
+              <a:rPr lang="en-US" dirty="0">
+                <a:latin typeface="Montserrat" panose="00000500000000000000" pitchFamily="2" charset="0"/>
+              </a:rPr>
+              <a:t>Children </a:t>
+            </a:r>
+            <a:r>
+              <a:rPr lang="bg-BG" dirty="0">
+                <a:latin typeface="Montserrat" panose="00000500000000000000" pitchFamily="2" charset="0"/>
+              </a:rPr>
+              <a:t>– брой деца </a:t>
+            </a:r>
+            <a:endParaRPr lang="en-US" dirty="0">
+              <a:latin typeface="Montserrat" panose="00000500000000000000" pitchFamily="2" charset="0"/>
+            </a:endParaRPr>
+          </a:p>
+          <a:p>
+            <a:pPr lvl="1"/>
+            <a:r>
+              <a:rPr lang="en-US" dirty="0" err="1">
+                <a:latin typeface="Montserrat" panose="00000500000000000000" pitchFamily="2" charset="0"/>
+              </a:rPr>
+              <a:t>RoomNumber</a:t>
+            </a:r>
+            <a:r>
+              <a:rPr lang="en-US" dirty="0">
+                <a:latin typeface="Montserrat" panose="00000500000000000000" pitchFamily="2" charset="0"/>
+              </a:rPr>
+              <a:t> </a:t>
+            </a:r>
+            <a:r>
+              <a:rPr lang="bg-BG" dirty="0">
+                <a:latin typeface="Montserrat" panose="00000500000000000000" pitchFamily="2" charset="0"/>
+              </a:rPr>
+              <a:t>– номер на стаята, която е резервирана, външен ключ към </a:t>
+            </a:r>
+            <a:r>
+              <a:rPr lang="en-US" dirty="0" err="1">
+                <a:latin typeface="Montserrat" panose="00000500000000000000" pitchFamily="2" charset="0"/>
+              </a:rPr>
+              <a:t>Rooms.roomNumber</a:t>
+            </a:r>
+            <a:endParaRPr lang="en-US" dirty="0">
+              <a:latin typeface="Montserrat" panose="00000500000000000000" pitchFamily="2" charset="0"/>
+            </a:endParaRPr>
+          </a:p>
+          <a:p>
+            <a:pPr lvl="1"/>
+            <a:r>
+              <a:rPr lang="en-US" dirty="0" err="1">
+                <a:latin typeface="Montserrat" panose="00000500000000000000" pitchFamily="2" charset="0"/>
+              </a:rPr>
+              <a:t>GuestEGN</a:t>
+            </a:r>
+            <a:r>
+              <a:rPr lang="en-US" dirty="0">
+                <a:latin typeface="Montserrat" panose="00000500000000000000" pitchFamily="2" charset="0"/>
+              </a:rPr>
+              <a:t> – </a:t>
+            </a:r>
+            <a:r>
+              <a:rPr lang="bg-BG" dirty="0">
+                <a:latin typeface="Montserrat" panose="00000500000000000000" pitchFamily="2" charset="0"/>
+              </a:rPr>
+              <a:t>ЕГН на госта, направил резервацията, външен ключ към </a:t>
+            </a:r>
+            <a:r>
+              <a:rPr lang="en-US" dirty="0" err="1">
+                <a:latin typeface="Montserrat" panose="00000500000000000000" pitchFamily="2" charset="0"/>
+              </a:rPr>
+              <a:t>Guests.EGN</a:t>
+            </a:r>
+            <a:endParaRPr lang="en-US" dirty="0">
+              <a:latin typeface="Montserrat" panose="00000500000000000000" pitchFamily="2" charset="0"/>
+            </a:endParaRPr>
+          </a:p>
+          <a:p>
+            <a:endParaRPr lang="en-US" dirty="0">
+              <a:latin typeface="Montserrat" panose="00000500000000000000" pitchFamily="2" charset="0"/>
+            </a:endParaRPr>
+          </a:p>
+        </p:txBody>
+      </p:sp>
+    </p:spTree>
+    <p:extLst>
+      <p:ext uri="{BB962C8B-B14F-4D97-AF65-F5344CB8AC3E}">
+        <p14:creationId xmlns:p14="http://schemas.microsoft.com/office/powerpoint/2010/main" val="971027108"/>
+      </p:ext>
+    </p:extLst>
+  </p:cSld>
+  <p:clrMapOvr>
+    <a:masterClrMapping/>
+  </p:clrMapOvr>
+</p:sld>
+</file>
+
+<file path=ppt/slides/slide9.xml><?xml version="1.0" encoding="utf-8"?>
+<p:sld xmlns:a="http://schemas.openxmlformats.org/drawingml/2006/main" xmlns:r="http://schemas.openxmlformats.org/officeDocument/2006/relationships" xmlns:p="http://schemas.openxmlformats.org/presentationml/2006/main">
+  <p:cSld>
+    <p:spTree>
+      <p:nvGrpSpPr>
+        <p:cNvPr id="1" name=""/>
+        <p:cNvGrpSpPr/>
+        <p:nvPr/>
+      </p:nvGrpSpPr>
+      <p:grpSpPr>
+        <a:xfrm>
+          <a:off x="0" y="0"/>
+          <a:ext cx="0" cy="0"/>
+          <a:chOff x="0" y="0"/>
+          <a:chExt cx="0" cy="0"/>
+        </a:xfrm>
+      </p:grpSpPr>
+      <p:sp>
+        <p:nvSpPr>
+          <p:cNvPr id="2" name="Title 1">
+            <a:extLst>
+              <a:ext uri="{FF2B5EF4-FFF2-40B4-BE49-F238E27FC236}">
+                <a16:creationId xmlns:a16="http://schemas.microsoft.com/office/drawing/2014/main" id="{62851FDE-8E4E-4CD4-A474-88F35840EBB5}"/>
+              </a:ext>
+            </a:extLst>
+          </p:cNvPr>
+          <p:cNvSpPr>
+            <a:spLocks noGrp="1"/>
+          </p:cNvSpPr>
+          <p:nvPr>
+            <p:ph type="title"/>
+          </p:nvPr>
+        </p:nvSpPr>
+        <p:spPr/>
+        <p:txBody>
+          <a:bodyPr/>
+          <a:lstStyle/>
+          <a:p>
+            <a:r>
+              <a:rPr lang="en-US" dirty="0">
+                <a:solidFill>
+                  <a:schemeClr val="tx1">
+                    <a:lumMod val="75000"/>
+                    <a:lumOff val="25000"/>
+                  </a:schemeClr>
+                </a:solidFill>
+                <a:latin typeface="Montserrat SemiBold" panose="00000700000000000000" pitchFamily="2" charset="0"/>
+              </a:rPr>
+              <a:t>Staff</a:t>
+            </a:r>
+            <a:endParaRPr lang="en-US" dirty="0">
+              <a:latin typeface="Montserrat SemiBold" panose="00000700000000000000" pitchFamily="2" charset="0"/>
+            </a:endParaRPr>
+          </a:p>
+        </p:txBody>
+      </p:sp>
+      <p:sp>
+        <p:nvSpPr>
+          <p:cNvPr id="3" name="Content Placeholder 2">
+            <a:extLst>
+              <a:ext uri="{FF2B5EF4-FFF2-40B4-BE49-F238E27FC236}">
+                <a16:creationId xmlns:a16="http://schemas.microsoft.com/office/drawing/2014/main" id="{B496DD51-5EA5-4214-8E24-52A6FD7ACEB0}"/>
+              </a:ext>
+            </a:extLst>
+          </p:cNvPr>
+          <p:cNvSpPr>
+            <a:spLocks noGrp="1"/>
+          </p:cNvSpPr>
+          <p:nvPr>
+            <p:ph idx="1"/>
+          </p:nvPr>
+        </p:nvSpPr>
+        <p:spPr>
+          <a:xfrm>
+            <a:off x="838200" y="1642204"/>
+            <a:ext cx="10515600" cy="4850671"/>
+          </a:xfrm>
+        </p:spPr>
+        <p:txBody>
+          <a:bodyPr>
+            <a:normAutofit fontScale="70000" lnSpcReduction="20000"/>
+          </a:bodyPr>
+          <a:lstStyle/>
+          <a:p>
+            <a:pPr marL="0" lvl="0" indent="0">
+              <a:buNone/>
+            </a:pPr>
+            <a:r>
+              <a:rPr lang="bg-BG" dirty="0">
+                <a:latin typeface="Montserrat" panose="00000500000000000000" pitchFamily="2" charset="0"/>
+              </a:rPr>
+              <a:t>Таблица </a:t>
+            </a:r>
+            <a:r>
+              <a:rPr lang="en-US" dirty="0">
+                <a:latin typeface="Montserrat" panose="00000500000000000000" pitchFamily="2" charset="0"/>
+              </a:rPr>
+              <a:t>Staff </a:t>
+            </a:r>
+            <a:r>
+              <a:rPr lang="bg-BG" dirty="0">
+                <a:latin typeface="Montserrat" panose="00000500000000000000" pitchFamily="2" charset="0"/>
+              </a:rPr>
+              <a:t>съдържа информация за бившите и настоящите служители на хотела</a:t>
+            </a:r>
+            <a:r>
+              <a:rPr lang="bg-BG" sz="2400" dirty="0">
+                <a:latin typeface="Montserrat" panose="00000500000000000000" pitchFamily="2" charset="0"/>
+              </a:rPr>
+              <a:t>.</a:t>
+            </a:r>
+            <a:endParaRPr lang="en-US" sz="2400" dirty="0">
+              <a:latin typeface="Montserrat" panose="00000500000000000000" pitchFamily="2" charset="0"/>
+            </a:endParaRPr>
+          </a:p>
+          <a:p>
+            <a:pPr marL="0" lvl="0" indent="0">
+              <a:buNone/>
+            </a:pPr>
+            <a:endParaRPr lang="en-US" sz="2400" dirty="0">
+              <a:latin typeface="Montserrat" panose="00000500000000000000" pitchFamily="2" charset="0"/>
+            </a:endParaRPr>
+          </a:p>
+          <a:p>
+            <a:pPr lvl="1"/>
+            <a:r>
+              <a:rPr lang="en-US" dirty="0">
+                <a:latin typeface="Montserrat" panose="00000500000000000000" pitchFamily="2" charset="0"/>
+              </a:rPr>
+              <a:t>EGN</a:t>
+            </a:r>
+            <a:r>
+              <a:rPr lang="bg-BG" dirty="0">
+                <a:latin typeface="Montserrat" panose="00000500000000000000" pitchFamily="2" charset="0"/>
+              </a:rPr>
+              <a:t> – ЕГН на гостът, първичен ключ</a:t>
+            </a:r>
+            <a:r>
+              <a:rPr lang="en-US" dirty="0">
+                <a:latin typeface="Montserrat" panose="00000500000000000000" pitchFamily="2" charset="0"/>
+              </a:rPr>
+              <a:t> </a:t>
+            </a:r>
+          </a:p>
+          <a:p>
+            <a:pPr lvl="1"/>
+            <a:r>
+              <a:rPr lang="en-US" dirty="0">
+                <a:latin typeface="Montserrat" panose="00000500000000000000" pitchFamily="2" charset="0"/>
+              </a:rPr>
+              <a:t>FirstName </a:t>
+            </a:r>
+            <a:r>
+              <a:rPr lang="bg-BG" dirty="0">
+                <a:latin typeface="Montserrat" panose="00000500000000000000" pitchFamily="2" charset="0"/>
+              </a:rPr>
+              <a:t>– Собствено име </a:t>
+            </a:r>
+            <a:r>
+              <a:rPr lang="en-US" dirty="0">
+                <a:latin typeface="Montserrat" panose="00000500000000000000" pitchFamily="2" charset="0"/>
+              </a:rPr>
+              <a:t> </a:t>
+            </a:r>
+          </a:p>
+          <a:p>
+            <a:pPr lvl="1"/>
+            <a:r>
+              <a:rPr lang="en-US" dirty="0" err="1">
+                <a:latin typeface="Montserrat" panose="00000500000000000000" pitchFamily="2" charset="0"/>
+              </a:rPr>
+              <a:t>LastName</a:t>
+            </a:r>
+            <a:r>
+              <a:rPr lang="en-US" dirty="0">
+                <a:latin typeface="Montserrat" panose="00000500000000000000" pitchFamily="2" charset="0"/>
+              </a:rPr>
+              <a:t> </a:t>
+            </a:r>
+            <a:r>
+              <a:rPr lang="bg-BG" dirty="0">
+                <a:latin typeface="Montserrat" panose="00000500000000000000" pitchFamily="2" charset="0"/>
+              </a:rPr>
+              <a:t>– Фамилно име </a:t>
+            </a:r>
+            <a:r>
+              <a:rPr lang="en-US" dirty="0">
+                <a:latin typeface="Montserrat" panose="00000500000000000000" pitchFamily="2" charset="0"/>
+              </a:rPr>
+              <a:t> </a:t>
+            </a:r>
+          </a:p>
+          <a:p>
+            <a:pPr lvl="1"/>
+            <a:r>
+              <a:rPr lang="en-US" dirty="0">
+                <a:latin typeface="Montserrat" panose="00000500000000000000" pitchFamily="2" charset="0"/>
+              </a:rPr>
+              <a:t>Job </a:t>
+            </a:r>
+            <a:r>
+              <a:rPr lang="bg-BG" dirty="0">
+                <a:latin typeface="Montserrat" panose="00000500000000000000" pitchFamily="2" charset="0"/>
+              </a:rPr>
+              <a:t>– позиция, на която е бил назначен (трябва да е едно от следните: </a:t>
+            </a:r>
+            <a:endParaRPr lang="en-US" dirty="0">
+              <a:latin typeface="Montserrat" panose="00000500000000000000" pitchFamily="2" charset="0"/>
+            </a:endParaRPr>
+          </a:p>
+          <a:p>
+            <a:pPr lvl="2"/>
+            <a:r>
+              <a:rPr lang="en-US" dirty="0">
+                <a:latin typeface="Montserrat" panose="00000500000000000000" pitchFamily="2" charset="0"/>
+              </a:rPr>
+              <a:t>'Maid',</a:t>
+            </a:r>
+          </a:p>
+          <a:p>
+            <a:pPr lvl="2"/>
+            <a:r>
+              <a:rPr lang="en-US" dirty="0">
+                <a:latin typeface="Montserrat" panose="00000500000000000000" pitchFamily="2" charset="0"/>
+              </a:rPr>
+              <a:t>'Receptionist',</a:t>
+            </a:r>
+          </a:p>
+          <a:p>
+            <a:pPr lvl="2"/>
+            <a:r>
+              <a:rPr lang="en-US" dirty="0">
+                <a:latin typeface="Montserrat" panose="00000500000000000000" pitchFamily="2" charset="0"/>
+              </a:rPr>
+              <a:t>'Security',</a:t>
+            </a:r>
+          </a:p>
+          <a:p>
+            <a:pPr lvl="2"/>
+            <a:r>
+              <a:rPr lang="en-US" dirty="0">
+                <a:latin typeface="Montserrat" panose="00000500000000000000" pitchFamily="2" charset="0"/>
+              </a:rPr>
+              <a:t>'Waitress',</a:t>
+            </a:r>
+          </a:p>
+          <a:p>
+            <a:pPr lvl="2"/>
+            <a:r>
+              <a:rPr lang="en-US" dirty="0">
+                <a:latin typeface="Montserrat" panose="00000500000000000000" pitchFamily="2" charset="0"/>
+              </a:rPr>
+              <a:t>'Waiter',</a:t>
+            </a:r>
+          </a:p>
+          <a:p>
+            <a:pPr lvl="2"/>
+            <a:r>
+              <a:rPr lang="en-US" dirty="0">
+                <a:latin typeface="Montserrat" panose="00000500000000000000" pitchFamily="2" charset="0"/>
+              </a:rPr>
+              <a:t>'Manager',</a:t>
+            </a:r>
+          </a:p>
+          <a:p>
+            <a:pPr lvl="2"/>
+            <a:r>
+              <a:rPr lang="en-US" dirty="0">
+                <a:latin typeface="Montserrat" panose="00000500000000000000" pitchFamily="2" charset="0"/>
+              </a:rPr>
+              <a:t>'Sous-Chef',</a:t>
+            </a:r>
+          </a:p>
+          <a:p>
+            <a:pPr lvl="2"/>
+            <a:r>
+              <a:rPr lang="en-US" dirty="0">
+                <a:latin typeface="Montserrat" panose="00000500000000000000" pitchFamily="2" charset="0"/>
+              </a:rPr>
+              <a:t>'Chef',</a:t>
+            </a:r>
+          </a:p>
+          <a:p>
+            <a:pPr lvl="2"/>
+            <a:r>
+              <a:rPr lang="en-US" dirty="0">
+                <a:latin typeface="Montserrat" panose="00000500000000000000" pitchFamily="2" charset="0"/>
+              </a:rPr>
+              <a:t>'Piccolo'</a:t>
+            </a:r>
+            <a:r>
+              <a:rPr lang="bg-BG" dirty="0">
+                <a:latin typeface="Montserrat" panose="00000500000000000000" pitchFamily="2" charset="0"/>
+              </a:rPr>
+              <a:t> </a:t>
+            </a:r>
+            <a:endParaRPr lang="en-US" dirty="0">
+              <a:latin typeface="Montserrat" panose="00000500000000000000" pitchFamily="2" charset="0"/>
+            </a:endParaRPr>
+          </a:p>
+          <a:p>
+            <a:pPr lvl="1"/>
+            <a:r>
+              <a:rPr lang="en-US" dirty="0">
+                <a:latin typeface="Montserrat" panose="00000500000000000000" pitchFamily="2" charset="0"/>
+              </a:rPr>
+              <a:t>Salary </a:t>
+            </a:r>
+            <a:r>
+              <a:rPr lang="bg-BG" dirty="0">
+                <a:latin typeface="Montserrat" panose="00000500000000000000" pitchFamily="2" charset="0"/>
+              </a:rPr>
+              <a:t>– месечна заплата</a:t>
+            </a:r>
+            <a:r>
+              <a:rPr lang="en-US" dirty="0">
+                <a:latin typeface="Montserrat" panose="00000500000000000000" pitchFamily="2" charset="0"/>
+              </a:rPr>
+              <a:t> </a:t>
+            </a:r>
+          </a:p>
+          <a:p>
+            <a:pPr lvl="1"/>
+            <a:r>
+              <a:rPr lang="en-US" dirty="0" err="1">
+                <a:latin typeface="Montserrat" panose="00000500000000000000" pitchFamily="2" charset="0"/>
+              </a:rPr>
+              <a:t>LengthOfService</a:t>
+            </a:r>
+            <a:r>
+              <a:rPr lang="bg-BG" dirty="0">
+                <a:latin typeface="Montserrat" panose="00000500000000000000" pitchFamily="2" charset="0"/>
+              </a:rPr>
+              <a:t> – стаж, сметнат в дни </a:t>
+            </a:r>
+            <a:r>
+              <a:rPr lang="en-US" dirty="0">
+                <a:latin typeface="Montserrat" panose="00000500000000000000" pitchFamily="2" charset="0"/>
+              </a:rPr>
+              <a:t> </a:t>
+            </a:r>
+          </a:p>
+          <a:p>
+            <a:pPr lvl="1"/>
+            <a:r>
+              <a:rPr lang="en-US" dirty="0">
+                <a:latin typeface="Montserrat" panose="00000500000000000000" pitchFamily="2" charset="0"/>
+              </a:rPr>
+              <a:t>StartDate </a:t>
+            </a:r>
+            <a:r>
+              <a:rPr lang="bg-BG" dirty="0">
+                <a:latin typeface="Montserrat" panose="00000500000000000000" pitchFamily="2" charset="0"/>
+              </a:rPr>
+              <a:t>– дата на назначаване</a:t>
+            </a:r>
+            <a:endParaRPr lang="en-US" dirty="0">
+              <a:latin typeface="Montserrat" panose="00000500000000000000" pitchFamily="2" charset="0"/>
+            </a:endParaRPr>
+          </a:p>
+          <a:p>
+            <a:pPr lvl="1"/>
+            <a:r>
+              <a:rPr lang="en-US" dirty="0" err="1">
+                <a:latin typeface="Montserrat" panose="00000500000000000000" pitchFamily="2" charset="0"/>
+              </a:rPr>
+              <a:t>EndDate</a:t>
+            </a:r>
+            <a:r>
+              <a:rPr lang="en-US" dirty="0">
+                <a:latin typeface="Montserrat" panose="00000500000000000000" pitchFamily="2" charset="0"/>
+              </a:rPr>
+              <a:t> </a:t>
+            </a:r>
+            <a:r>
+              <a:rPr lang="bg-BG" dirty="0">
+                <a:latin typeface="Montserrat" panose="00000500000000000000" pitchFamily="2" charset="0"/>
+              </a:rPr>
+              <a:t>– дата на напускане (</a:t>
+            </a:r>
+            <a:r>
+              <a:rPr lang="en-US" dirty="0">
+                <a:latin typeface="Montserrat" panose="00000500000000000000" pitchFamily="2" charset="0"/>
+              </a:rPr>
+              <a:t>NULL</a:t>
+            </a:r>
+            <a:r>
+              <a:rPr lang="bg-BG" dirty="0">
+                <a:latin typeface="Montserrat" panose="00000500000000000000" pitchFamily="2" charset="0"/>
+              </a:rPr>
+              <a:t>, ако още работи в хотела)</a:t>
+            </a:r>
+            <a:endParaRPr lang="en-US" dirty="0">
+              <a:latin typeface="Montserrat" panose="00000500000000000000" pitchFamily="2" charset="0"/>
+            </a:endParaRPr>
+          </a:p>
+          <a:p>
+            <a:endParaRPr lang="en-US" dirty="0"/>
+          </a:p>
+        </p:txBody>
+      </p:sp>
+    </p:spTree>
+    <p:extLst>
+      <p:ext uri="{BB962C8B-B14F-4D97-AF65-F5344CB8AC3E}">
+        <p14:creationId xmlns:p14="http://schemas.microsoft.com/office/powerpoint/2010/main" val="3125752544"/>
       </p:ext>
     </p:extLst>
   </p:cSld>
